--- a/9. HTML 5, CSS3 with Bootstrap 4, JavaScript ES6/2. CSS3/Slides/7. Animations/css3-m7-animations-slides.pptx
+++ b/9. HTML 5, CSS3 with Bootstrap 4, JavaScript ES6/2. CSS3/Slides/7. Animations/css3-m7-animations-slides.pptx
@@ -5,23 +5,23 @@
     <p:sldMasterId id="2147483648" r:id="rId1"/>
   </p:sldMasterIdLst>
   <p:notesMasterIdLst>
-    <p:notesMasterId r:id="rId16"/>
+    <p:notesMasterId r:id="rId17"/>
   </p:notesMasterIdLst>
   <p:sldIdLst>
-    <p:sldId id="256" r:id="rId2"/>
-    <p:sldId id="257" r:id="rId3"/>
-    <p:sldId id="258" r:id="rId4"/>
-    <p:sldId id="259" r:id="rId5"/>
-    <p:sldId id="260" r:id="rId6"/>
-    <p:sldId id="261" r:id="rId7"/>
-    <p:sldId id="262" r:id="rId8"/>
-    <p:sldId id="263" r:id="rId9"/>
-    <p:sldId id="264" r:id="rId10"/>
-    <p:sldId id="265" r:id="rId11"/>
-    <p:sldId id="266" r:id="rId12"/>
-    <p:sldId id="267" r:id="rId13"/>
-    <p:sldId id="268" r:id="rId14"/>
-    <p:sldId id="269" r:id="rId15"/>
+    <p:sldId id="256" r:id="rId3"/>
+    <p:sldId id="257" r:id="rId4"/>
+    <p:sldId id="258" r:id="rId5"/>
+    <p:sldId id="259" r:id="rId6"/>
+    <p:sldId id="260" r:id="rId7"/>
+    <p:sldId id="261" r:id="rId8"/>
+    <p:sldId id="262" r:id="rId9"/>
+    <p:sldId id="263" r:id="rId10"/>
+    <p:sldId id="264" r:id="rId11"/>
+    <p:sldId id="265" r:id="rId12"/>
+    <p:sldId id="266" r:id="rId13"/>
+    <p:sldId id="267" r:id="rId14"/>
+    <p:sldId id="268" r:id="rId15"/>
+    <p:sldId id="269" r:id="rId16"/>
   </p:sldIdLst>
   <p:sldSz cx="9144000" cy="6858000" type="screen4x3"/>
   <p:notesSz cx="9144000" cy="6858000"/>
@@ -205,7 +205,6 @@
           <a:p>
             <a:fld id="{4D862269-E950-4584-BB74-A104F6C64D36}" type="datetimeFigureOut">
               <a:rPr lang="en-US" smtClean="0"/>
-              <a:t>7/19/2021</a:t>
             </a:fld>
             <a:endParaRPr lang="en-US"/>
           </a:p>
@@ -274,6 +273,7 @@
               <a:rPr lang="en-US" smtClean="0"/>
               <a:t>Click to edit Master text styles</a:t>
             </a:r>
+            <a:endParaRPr lang="en-US" smtClean="0"/>
           </a:p>
           <a:p>
             <a:pPr lvl="1"/>
@@ -281,6 +281,7 @@
               <a:rPr lang="en-US" smtClean="0"/>
               <a:t>Second level</a:t>
             </a:r>
+            <a:endParaRPr lang="en-US" smtClean="0"/>
           </a:p>
           <a:p>
             <a:pPr lvl="2"/>
@@ -288,6 +289,7 @@
               <a:rPr lang="en-US" smtClean="0"/>
               <a:t>Third level</a:t>
             </a:r>
+            <a:endParaRPr lang="en-US" smtClean="0"/>
           </a:p>
           <a:p>
             <a:pPr lvl="3"/>
@@ -295,6 +297,7 @@
               <a:rPr lang="en-US" smtClean="0"/>
               <a:t>Fourth level</a:t>
             </a:r>
+            <a:endParaRPr lang="en-US" smtClean="0"/>
           </a:p>
           <a:p>
             <a:pPr lvl="4"/>
@@ -366,7 +369,6 @@
           <a:p>
             <a:fld id="{C4567172-7085-44FA-919B-DB7939A70DFA}" type="slidenum">
               <a:rPr lang="en-US" smtClean="0"/>
-              <a:t>‹#›</a:t>
             </a:fld>
             <a:endParaRPr lang="en-US"/>
           </a:p>
@@ -516,14 +518,12 @@
                 <a:solidFill>
                   <a:schemeClr val="tx1"/>
                 </a:solidFill>
-                <a:latin typeface="Arial"/>
-                <a:cs typeface="Arial"/>
+                <a:latin typeface="Arial" panose="020B0604020202020204"/>
+                <a:cs typeface="Arial" panose="020B0604020202020204"/>
               </a:defRPr>
             </a:lvl1pPr>
           </a:lstStyle>
-          <a:p>
-            <a:endParaRPr/>
-          </a:p>
+          <a:p/>
         </p:txBody>
       </p:sp>
       <p:sp>
@@ -554,9 +554,7 @@
               <a:defRPr/>
             </a:lvl1pPr>
           </a:lstStyle>
-          <a:p>
-            <a:endParaRPr/>
-          </a:p>
+          <a:p/>
         </p:txBody>
       </p:sp>
       <p:sp>
@@ -583,9 +581,7 @@
               </a:defRPr>
             </a:lvl1pPr>
           </a:lstStyle>
-          <a:p>
-            <a:endParaRPr/>
-          </a:p>
+          <a:p/>
         </p:txBody>
       </p:sp>
       <p:sp>
@@ -615,7 +611,6 @@
           <a:p>
             <a:fld id="{3F7D932C-DF5F-4D07-A18A-0A3195B3F35E}" type="datetime1">
               <a:rPr lang="en-US" smtClean="0"/>
-              <a:t>7/19/2021</a:t>
             </a:fld>
             <a:endParaRPr lang="en-US"/>
           </a:p>
@@ -648,8 +643,6 @@
           <a:p>
             <a:fld id="{B6F15528-21DE-4FAA-801E-634DDDAF4B2B}" type="slidenum">
               <a:rPr/>
-              <a:pPr/>
-              <a:t>‹#›</a:t>
             </a:fld>
             <a:endParaRPr/>
           </a:p>
@@ -699,14 +692,12 @@
                 <a:solidFill>
                   <a:schemeClr val="tx1"/>
                 </a:solidFill>
-                <a:latin typeface="Arial"/>
-                <a:cs typeface="Arial"/>
+                <a:latin typeface="Arial" panose="020B0604020202020204"/>
+                <a:cs typeface="Arial" panose="020B0604020202020204"/>
               </a:defRPr>
             </a:lvl1pPr>
           </a:lstStyle>
-          <a:p>
-            <a:endParaRPr/>
-          </a:p>
+          <a:p/>
         </p:txBody>
       </p:sp>
       <p:sp>
@@ -731,9 +722,7 @@
               </a:defRPr>
             </a:lvl1pPr>
           </a:lstStyle>
-          <a:p>
-            <a:endParaRPr/>
-          </a:p>
+          <a:p/>
         </p:txBody>
       </p:sp>
       <p:sp>
@@ -760,9 +749,7 @@
               </a:defRPr>
             </a:lvl1pPr>
           </a:lstStyle>
-          <a:p>
-            <a:endParaRPr/>
-          </a:p>
+          <a:p/>
         </p:txBody>
       </p:sp>
       <p:sp>
@@ -792,7 +779,6 @@
           <a:p>
             <a:fld id="{71942E8F-F44D-4112-A1F7-E643E9DC4064}" type="datetime1">
               <a:rPr lang="en-US" smtClean="0"/>
-              <a:t>7/19/2021</a:t>
             </a:fld>
             <a:endParaRPr lang="en-US"/>
           </a:p>
@@ -825,8 +811,6 @@
           <a:p>
             <a:fld id="{B6F15528-21DE-4FAA-801E-634DDDAF4B2B}" type="slidenum">
               <a:rPr/>
-              <a:pPr/>
-              <a:t>‹#›</a:t>
             </a:fld>
             <a:endParaRPr/>
           </a:p>
@@ -876,14 +860,12 @@
                 <a:solidFill>
                   <a:schemeClr val="tx1"/>
                 </a:solidFill>
-                <a:latin typeface="Arial"/>
-                <a:cs typeface="Arial"/>
+                <a:latin typeface="Arial" panose="020B0604020202020204"/>
+                <a:cs typeface="Arial" panose="020B0604020202020204"/>
               </a:defRPr>
             </a:lvl1pPr>
           </a:lstStyle>
-          <a:p>
-            <a:endParaRPr/>
-          </a:p>
+          <a:p/>
         </p:txBody>
       </p:sp>
       <p:sp>
@@ -914,9 +896,7 @@
               <a:defRPr/>
             </a:lvl1pPr>
           </a:lstStyle>
-          <a:p>
-            <a:endParaRPr/>
-          </a:p>
+          <a:p/>
         </p:txBody>
       </p:sp>
       <p:sp>
@@ -947,9 +927,7 @@
               <a:defRPr/>
             </a:lvl1pPr>
           </a:lstStyle>
-          <a:p>
-            <a:endParaRPr/>
-          </a:p>
+          <a:p/>
         </p:txBody>
       </p:sp>
       <p:sp>
@@ -976,9 +954,7 @@
               </a:defRPr>
             </a:lvl1pPr>
           </a:lstStyle>
-          <a:p>
-            <a:endParaRPr/>
-          </a:p>
+          <a:p/>
         </p:txBody>
       </p:sp>
       <p:sp>
@@ -1008,7 +984,6 @@
           <a:p>
             <a:fld id="{B1B9786E-0510-4C6D-9CFE-042BA8CA68D8}" type="datetime1">
               <a:rPr lang="en-US" smtClean="0"/>
-              <a:t>7/19/2021</a:t>
             </a:fld>
             <a:endParaRPr lang="en-US"/>
           </a:p>
@@ -1041,8 +1016,6 @@
           <a:p>
             <a:fld id="{B6F15528-21DE-4FAA-801E-634DDDAF4B2B}" type="slidenum">
               <a:rPr/>
-              <a:pPr/>
-              <a:t>‹#›</a:t>
             </a:fld>
             <a:endParaRPr/>
           </a:p>
@@ -1092,14 +1065,12 @@
                 <a:solidFill>
                   <a:schemeClr val="tx1"/>
                 </a:solidFill>
-                <a:latin typeface="Arial"/>
-                <a:cs typeface="Arial"/>
+                <a:latin typeface="Arial" panose="020B0604020202020204"/>
+                <a:cs typeface="Arial" panose="020B0604020202020204"/>
               </a:defRPr>
             </a:lvl1pPr>
           </a:lstStyle>
-          <a:p>
-            <a:endParaRPr/>
-          </a:p>
+          <a:p/>
         </p:txBody>
       </p:sp>
       <p:sp>
@@ -1126,9 +1097,7 @@
               </a:defRPr>
             </a:lvl1pPr>
           </a:lstStyle>
-          <a:p>
-            <a:endParaRPr/>
-          </a:p>
+          <a:p/>
         </p:txBody>
       </p:sp>
       <p:sp>
@@ -1158,7 +1127,6 @@
           <a:p>
             <a:fld id="{79487C93-3BBB-40B3-9D3D-A353BAAA8C3A}" type="datetime1">
               <a:rPr lang="en-US" smtClean="0"/>
-              <a:t>7/19/2021</a:t>
             </a:fld>
             <a:endParaRPr lang="en-US"/>
           </a:p>
@@ -1191,8 +1159,6 @@
           <a:p>
             <a:fld id="{B6F15528-21DE-4FAA-801E-634DDDAF4B2B}" type="slidenum">
               <a:rPr/>
-              <a:pPr/>
-              <a:t>‹#›</a:t>
             </a:fld>
             <a:endParaRPr/>
           </a:p>
@@ -1247,9 +1213,7 @@
               </a:defRPr>
             </a:lvl1pPr>
           </a:lstStyle>
-          <a:p>
-            <a:endParaRPr/>
-          </a:p>
+          <a:p/>
         </p:txBody>
       </p:sp>
       <p:sp>
@@ -1279,7 +1243,6 @@
           <a:p>
             <a:fld id="{93F865F5-B8C8-4333-AA12-7617C74FADA2}" type="datetime1">
               <a:rPr lang="en-US" smtClean="0"/>
-              <a:t>7/19/2021</a:t>
             </a:fld>
             <a:endParaRPr lang="en-US"/>
           </a:p>
@@ -1312,8 +1275,6 @@
           <a:p>
             <a:fld id="{B6F15528-21DE-4FAA-801E-634DDDAF4B2B}" type="slidenum">
               <a:rPr/>
-              <a:pPr/>
-              <a:t>‹#›</a:t>
             </a:fld>
             <a:endParaRPr/>
           </a:p>
@@ -1381,14 +1342,12 @@
                 <a:solidFill>
                   <a:schemeClr val="tx1"/>
                 </a:solidFill>
-                <a:latin typeface="Arial"/>
-                <a:cs typeface="Arial"/>
+                <a:latin typeface="Arial" panose="020B0604020202020204"/>
+                <a:cs typeface="Arial" panose="020B0604020202020204"/>
               </a:defRPr>
             </a:lvl1pPr>
           </a:lstStyle>
-          <a:p>
-            <a:endParaRPr/>
-          </a:p>
+          <a:p/>
         </p:txBody>
       </p:sp>
       <p:sp>
@@ -1423,9 +1382,7 @@
               </a:defRPr>
             </a:lvl1pPr>
           </a:lstStyle>
-          <a:p>
-            <a:endParaRPr/>
-          </a:p>
+          <a:p/>
         </p:txBody>
       </p:sp>
       <p:sp>
@@ -1462,9 +1419,7 @@
               </a:defRPr>
             </a:lvl1pPr>
           </a:lstStyle>
-          <a:p>
-            <a:endParaRPr/>
-          </a:p>
+          <a:p/>
         </p:txBody>
       </p:sp>
       <p:sp>
@@ -1504,7 +1459,6 @@
           <a:p>
             <a:fld id="{28BBBB60-1BF3-4210-822F-F6FCCF97BB72}" type="datetime1">
               <a:rPr lang="en-US" smtClean="0"/>
-              <a:t>7/19/2021</a:t>
             </a:fld>
             <a:endParaRPr lang="en-US"/>
           </a:p>
@@ -1547,8 +1501,6 @@
           <a:p>
             <a:fld id="{B6F15528-21DE-4FAA-801E-634DDDAF4B2B}" type="slidenum">
               <a:rPr/>
-              <a:pPr/>
-              <a:t>‹#›</a:t>
             </a:fld>
             <a:endParaRPr/>
           </a:p>
@@ -1558,11 +1510,11 @@
   </p:cSld>
   <p:clrMap bg1="lt1" tx1="dk1" bg2="lt2" tx2="dk2" accent1="accent1" accent2="accent2" accent3="accent3" accent4="accent4" accent5="accent5" accent6="accent6" hlink="hlink" folHlink="folHlink"/>
   <p:sldLayoutIdLst>
-    <p:sldLayoutId id="2147483661" r:id="rId1"/>
-    <p:sldLayoutId id="2147483662" r:id="rId2"/>
-    <p:sldLayoutId id="2147483663" r:id="rId3"/>
-    <p:sldLayoutId id="2147483664" r:id="rId4"/>
-    <p:sldLayoutId id="2147483665" r:id="rId5"/>
+    <p:sldLayoutId id="2147483649" r:id="rId1"/>
+    <p:sldLayoutId id="2147483650" r:id="rId2"/>
+    <p:sldLayoutId id="2147483651" r:id="rId3"/>
+    <p:sldLayoutId id="2147483652" r:id="rId4"/>
+    <p:sldLayoutId id="2147483653" r:id="rId5"/>
   </p:sldLayoutIdLst>
   <p:hf hdr="0" ftr="0" dt="0"/>
   <p:txStyles>
@@ -1757,14 +1709,14 @@
             </a:pPr>
             <a:r>
               <a:rPr sz="3200" b="1" dirty="0">
-                <a:latin typeface="Arial"/>
-                <a:cs typeface="Arial"/>
+                <a:latin typeface="Arial" panose="020B0604020202020204"/>
+                <a:cs typeface="Arial" panose="020B0604020202020204"/>
               </a:rPr>
               <a:t>CSS3:</a:t>
             </a:r>
             <a:endParaRPr sz="3200">
-              <a:latin typeface="Arial"/>
-              <a:cs typeface="Arial"/>
+              <a:latin typeface="Arial" panose="020B0604020202020204"/>
+              <a:cs typeface="Arial" panose="020B0604020202020204"/>
             </a:endParaRPr>
           </a:p>
           <a:p>
@@ -1775,14 +1727,14 @@
             </a:pPr>
             <a:r>
               <a:rPr sz="3200" b="1" spc="-5" dirty="0">
-                <a:latin typeface="Arial"/>
-                <a:cs typeface="Arial"/>
+                <a:latin typeface="Arial" panose="020B0604020202020204"/>
+                <a:cs typeface="Arial" panose="020B0604020202020204"/>
               </a:rPr>
               <a:t>Animations</a:t>
             </a:r>
             <a:endParaRPr sz="3200">
-              <a:latin typeface="Arial"/>
-              <a:cs typeface="Arial"/>
+              <a:latin typeface="Arial" panose="020B0604020202020204"/>
+              <a:cs typeface="Arial" panose="020B0604020202020204"/>
             </a:endParaRPr>
           </a:p>
         </p:txBody>
@@ -1796,7 +1748,7 @@
           <p:nvPr/>
         </p:nvPicPr>
         <p:blipFill>
-          <a:blip r:embed="rId2"/>
+          <a:blip r:embed="rId1"/>
           <a:srcRect/>
           <a:stretch>
             <a:fillRect/>
@@ -1837,8 +1789,6 @@
           <a:p>
             <a:fld id="{B6F15528-21DE-4FAA-801E-634DDDAF4B2B}" type="slidenum">
               <a:rPr lang="en-US" smtClean="0"/>
-              <a:pPr/>
-              <a:t>1</a:t>
             </a:fld>
             <a:endParaRPr lang="en-US"/>
           </a:p>
@@ -1902,6 +1852,7 @@
               <a:rPr spc="-5" dirty="0"/>
               <a:t>Transitions</a:t>
             </a:r>
+            <a:endParaRPr spc="-5" dirty="0"/>
           </a:p>
         </p:txBody>
       </p:sp>
@@ -1964,9 +1915,7 @@
           <p:txBody>
             <a:bodyPr wrap="square" lIns="0" tIns="0" rIns="0" bIns="0" rtlCol="0"/>
             <a:lstStyle/>
-            <a:p>
-              <a:endParaRPr/>
-            </a:p>
+            <a:p/>
           </p:txBody>
         </p:sp>
         <p:sp>
@@ -2016,9 +1965,7 @@
           <p:txBody>
             <a:bodyPr wrap="square" lIns="0" tIns="0" rIns="0" bIns="0" rtlCol="0"/>
             <a:lstStyle/>
-            <a:p>
-              <a:endParaRPr/>
-            </a:p>
+            <a:p/>
           </p:txBody>
         </p:sp>
       </p:grpSp>
@@ -2030,7 +1977,7 @@
         </p:nvSpPr>
         <p:spPr>
           <a:xfrm>
-            <a:off x="3680311" y="1954783"/>
+            <a:off x="3680311" y="2335783"/>
             <a:ext cx="1772920" cy="299720"/>
           </a:xfrm>
           <a:prstGeom prst="rect">
@@ -2053,28 +2000,28 @@
             </a:pPr>
             <a:r>
               <a:rPr sz="1800" dirty="0">
-                <a:latin typeface="Consolas"/>
-                <a:cs typeface="Consolas"/>
+                <a:latin typeface="Consolas" panose="020B0609020204030204"/>
+                <a:cs typeface="Consolas" panose="020B0609020204030204"/>
               </a:rPr>
               <a:t>background</a:t>
             </a:r>
             <a:r>
               <a:rPr sz="1800" spc="-95" dirty="0">
-                <a:latin typeface="Consolas"/>
-                <a:cs typeface="Consolas"/>
+                <a:latin typeface="Consolas" panose="020B0609020204030204"/>
+                <a:cs typeface="Consolas" panose="020B0609020204030204"/>
               </a:rPr>
               <a:t> </a:t>
             </a:r>
             <a:r>
               <a:rPr sz="1800" dirty="0">
-                <a:latin typeface="Consolas"/>
-                <a:cs typeface="Consolas"/>
+                <a:latin typeface="Consolas" panose="020B0609020204030204"/>
+                <a:cs typeface="Consolas" panose="020B0609020204030204"/>
               </a:rPr>
               <a:t>2s;</a:t>
             </a:r>
             <a:endParaRPr sz="1800">
-              <a:latin typeface="Consolas"/>
-              <a:cs typeface="Consolas"/>
+              <a:latin typeface="Consolas" panose="020B0609020204030204"/>
+              <a:cs typeface="Consolas" panose="020B0609020204030204"/>
             </a:endParaRPr>
           </a:p>
         </p:txBody>
@@ -2102,7 +2049,7 @@
           <a:p>
             <a:pPr marL="342265" marR="5080" indent="-342900">
               <a:lnSpc>
-                <a:spcPct val="117200"/>
+                <a:spcPct val="117000"/>
               </a:lnSpc>
               <a:spcBef>
                 <a:spcPts val="100"/>
@@ -2110,28 +2057,28 @@
             </a:pPr>
             <a:r>
               <a:rPr sz="1800" dirty="0">
-                <a:latin typeface="Consolas"/>
-                <a:cs typeface="Consolas"/>
+                <a:latin typeface="Consolas" panose="020B0609020204030204"/>
+                <a:cs typeface="Consolas" panose="020B0609020204030204"/>
               </a:rPr>
               <a:t>.changeBack { </a:t>
             </a:r>
             <a:r>
               <a:rPr sz="1800" spc="-975" dirty="0">
-                <a:latin typeface="Consolas"/>
-                <a:cs typeface="Consolas"/>
+                <a:latin typeface="Consolas" panose="020B0609020204030204"/>
+                <a:cs typeface="Consolas" panose="020B0609020204030204"/>
               </a:rPr>
               <a:t> </a:t>
             </a:r>
             <a:r>
               <a:rPr sz="1800" dirty="0">
-                <a:latin typeface="Consolas"/>
-                <a:cs typeface="Consolas"/>
+                <a:latin typeface="Consolas" panose="020B0609020204030204"/>
+                <a:cs typeface="Consolas" panose="020B0609020204030204"/>
               </a:rPr>
               <a:t>transition:</a:t>
             </a:r>
             <a:endParaRPr sz="1800">
-              <a:latin typeface="Consolas"/>
-              <a:cs typeface="Consolas"/>
+              <a:latin typeface="Consolas" panose="020B0609020204030204"/>
+              <a:cs typeface="Consolas" panose="020B0609020204030204"/>
             </a:endParaRPr>
           </a:p>
           <a:p>
@@ -2145,14 +2092,14 @@
             </a:pPr>
             <a:r>
               <a:rPr sz="1800" dirty="0">
-                <a:latin typeface="Consolas"/>
-                <a:cs typeface="Consolas"/>
+                <a:latin typeface="Consolas" panose="020B0609020204030204"/>
+                <a:cs typeface="Consolas" panose="020B0609020204030204"/>
               </a:rPr>
               <a:t>}</a:t>
             </a:r>
             <a:endParaRPr sz="1800">
-              <a:latin typeface="Consolas"/>
-              <a:cs typeface="Consolas"/>
+              <a:latin typeface="Consolas" panose="020B0609020204030204"/>
+              <a:cs typeface="Consolas" panose="020B0609020204030204"/>
             </a:endParaRPr>
           </a:p>
         </p:txBody>
@@ -2165,8 +2112,8 @@
         </p:nvSpPr>
         <p:spPr>
           <a:xfrm>
-            <a:off x="1577339" y="2559303"/>
-            <a:ext cx="3121660" cy="1016000"/>
+            <a:off x="1577340" y="3397250"/>
+            <a:ext cx="5035550" cy="1022985"/>
           </a:xfrm>
           <a:prstGeom prst="rect">
             <a:avLst/>
@@ -2180,7 +2127,7 @@
           <a:p>
             <a:pPr marL="342265" marR="5080" indent="-342900">
               <a:lnSpc>
-                <a:spcPct val="120400"/>
+                <a:spcPct val="120000"/>
               </a:lnSpc>
               <a:spcBef>
                 <a:spcPts val="100"/>
@@ -2191,28 +2138,45 @@
             </a:pPr>
             <a:r>
               <a:rPr sz="1800" dirty="0">
-                <a:latin typeface="Consolas"/>
-                <a:cs typeface="Consolas"/>
+                <a:latin typeface="Consolas" panose="020B0609020204030204"/>
+                <a:cs typeface="Consolas" panose="020B0609020204030204"/>
               </a:rPr>
               <a:t>.changeBack:hover { </a:t>
             </a:r>
+            <a:endParaRPr sz="1800" dirty="0">
+              <a:latin typeface="Consolas" panose="020B0609020204030204"/>
+              <a:cs typeface="Consolas" panose="020B0609020204030204"/>
+            </a:endParaRPr>
+          </a:p>
+          <a:p>
+            <a:pPr marL="342265" marR="5080" indent="-342900">
+              <a:lnSpc>
+                <a:spcPct val="120000"/>
+              </a:lnSpc>
+              <a:spcBef>
+                <a:spcPts val="100"/>
+              </a:spcBef>
+              <a:tabLst>
+                <a:tab pos="2102485" algn="l"/>
+              </a:tabLst>
+            </a:pPr>
             <a:r>
               <a:rPr sz="1800" spc="5" dirty="0">
-                <a:latin typeface="Consolas"/>
-                <a:cs typeface="Consolas"/>
+                <a:latin typeface="Consolas" panose="020B0609020204030204"/>
+                <a:cs typeface="Consolas" panose="020B0609020204030204"/>
               </a:rPr>
               <a:t> </a:t>
             </a:r>
             <a:r>
               <a:rPr sz="1800" dirty="0">
-                <a:latin typeface="Consolas"/>
-                <a:cs typeface="Consolas"/>
+                <a:latin typeface="Consolas" panose="020B0609020204030204"/>
+                <a:cs typeface="Consolas" panose="020B0609020204030204"/>
               </a:rPr>
               <a:t>background:	#ffff00;</a:t>
             </a:r>
             <a:endParaRPr sz="1800">
-              <a:latin typeface="Consolas"/>
-              <a:cs typeface="Consolas"/>
+              <a:latin typeface="Consolas" panose="020B0609020204030204"/>
+              <a:cs typeface="Consolas" panose="020B0609020204030204"/>
             </a:endParaRPr>
           </a:p>
           <a:p>
@@ -2221,19 +2185,19 @@
                 <a:spcPct val="100000"/>
               </a:lnSpc>
               <a:spcBef>
-                <a:spcPts val="439"/>
+                <a:spcPts val="440"/>
               </a:spcBef>
             </a:pPr>
             <a:r>
               <a:rPr sz="1800" dirty="0">
-                <a:latin typeface="Consolas"/>
-                <a:cs typeface="Consolas"/>
+                <a:latin typeface="Consolas" panose="020B0609020204030204"/>
+                <a:cs typeface="Consolas" panose="020B0609020204030204"/>
               </a:rPr>
               <a:t>}</a:t>
             </a:r>
             <a:endParaRPr sz="1800">
-              <a:latin typeface="Consolas"/>
-              <a:cs typeface="Consolas"/>
+              <a:latin typeface="Consolas" panose="020B0609020204030204"/>
+              <a:cs typeface="Consolas" panose="020B0609020204030204"/>
             </a:endParaRPr>
           </a:p>
         </p:txBody>
@@ -2255,8 +2219,6 @@
           <a:p>
             <a:fld id="{B6F15528-21DE-4FAA-801E-634DDDAF4B2B}" type="slidenum">
               <a:rPr lang="en-US" smtClean="0"/>
-              <a:pPr/>
-              <a:t>10</a:t>
             </a:fld>
             <a:endParaRPr lang="en-US"/>
           </a:p>
@@ -2320,6 +2282,7 @@
               <a:rPr spc="-5" dirty="0"/>
               <a:t>Transitions</a:t>
             </a:r>
+            <a:endParaRPr spc="-5" dirty="0"/>
           </a:p>
         </p:txBody>
       </p:sp>
@@ -2382,9 +2345,7 @@
           <p:txBody>
             <a:bodyPr wrap="square" lIns="0" tIns="0" rIns="0" bIns="0" rtlCol="0"/>
             <a:lstStyle/>
-            <a:p>
-              <a:endParaRPr/>
-            </a:p>
+            <a:p/>
           </p:txBody>
         </p:sp>
         <p:sp>
@@ -2434,9 +2395,7 @@
           <p:txBody>
             <a:bodyPr wrap="square" lIns="0" tIns="0" rIns="0" bIns="0" rtlCol="0"/>
             <a:lstStyle/>
-            <a:p>
-              <a:endParaRPr/>
-            </a:p>
+            <a:p/>
           </p:txBody>
         </p:sp>
       </p:grpSp>
@@ -2448,7 +2407,7 @@
         </p:nvSpPr>
         <p:spPr>
           <a:xfrm>
-            <a:off x="3680311" y="1954783"/>
+            <a:off x="3680311" y="2259583"/>
             <a:ext cx="2653030" cy="299720"/>
           </a:xfrm>
           <a:prstGeom prst="rect">
@@ -2471,42 +2430,42 @@
             </a:pPr>
             <a:r>
               <a:rPr sz="1800" dirty="0">
-                <a:latin typeface="Consolas"/>
-                <a:cs typeface="Consolas"/>
+                <a:latin typeface="Consolas" panose="020B0609020204030204"/>
+                <a:cs typeface="Consolas" panose="020B0609020204030204"/>
               </a:rPr>
               <a:t>background,</a:t>
             </a:r>
             <a:r>
               <a:rPr sz="1800" spc="-50" dirty="0">
-                <a:latin typeface="Consolas"/>
-                <a:cs typeface="Consolas"/>
+                <a:latin typeface="Consolas" panose="020B0609020204030204"/>
+                <a:cs typeface="Consolas" panose="020B0609020204030204"/>
               </a:rPr>
               <a:t> </a:t>
             </a:r>
             <a:r>
               <a:rPr sz="1800" dirty="0">
-                <a:latin typeface="Consolas"/>
-                <a:cs typeface="Consolas"/>
+                <a:latin typeface="Consolas" panose="020B0609020204030204"/>
+                <a:cs typeface="Consolas" panose="020B0609020204030204"/>
               </a:rPr>
               <a:t>width</a:t>
             </a:r>
             <a:r>
               <a:rPr sz="1800" spc="-45" dirty="0">
-                <a:latin typeface="Consolas"/>
-                <a:cs typeface="Consolas"/>
+                <a:latin typeface="Consolas" panose="020B0609020204030204"/>
+                <a:cs typeface="Consolas" panose="020B0609020204030204"/>
               </a:rPr>
               <a:t> </a:t>
             </a:r>
             <a:r>
               <a:rPr sz="1800" dirty="0">
-                <a:latin typeface="Consolas"/>
-                <a:cs typeface="Consolas"/>
+                <a:latin typeface="Consolas" panose="020B0609020204030204"/>
+                <a:cs typeface="Consolas" panose="020B0609020204030204"/>
               </a:rPr>
               <a:t>2s;</a:t>
             </a:r>
             <a:endParaRPr sz="1800">
-              <a:latin typeface="Consolas"/>
-              <a:cs typeface="Consolas"/>
+              <a:latin typeface="Consolas" panose="020B0609020204030204"/>
+              <a:cs typeface="Consolas" panose="020B0609020204030204"/>
             </a:endParaRPr>
           </a:p>
         </p:txBody>
@@ -2534,7 +2493,7 @@
           <a:p>
             <a:pPr marL="342265" marR="5080" indent="-342900">
               <a:lnSpc>
-                <a:spcPct val="117200"/>
+                <a:spcPct val="117000"/>
               </a:lnSpc>
               <a:spcBef>
                 <a:spcPts val="100"/>
@@ -2542,28 +2501,28 @@
             </a:pPr>
             <a:r>
               <a:rPr sz="1800" dirty="0">
-                <a:latin typeface="Consolas"/>
-                <a:cs typeface="Consolas"/>
+                <a:latin typeface="Consolas" panose="020B0609020204030204"/>
+                <a:cs typeface="Consolas" panose="020B0609020204030204"/>
               </a:rPr>
               <a:t>.changeBack { </a:t>
             </a:r>
             <a:r>
               <a:rPr sz="1800" spc="-975" dirty="0">
-                <a:latin typeface="Consolas"/>
-                <a:cs typeface="Consolas"/>
+                <a:latin typeface="Consolas" panose="020B0609020204030204"/>
+                <a:cs typeface="Consolas" panose="020B0609020204030204"/>
               </a:rPr>
               <a:t> </a:t>
             </a:r>
             <a:r>
               <a:rPr sz="1800" dirty="0">
-                <a:latin typeface="Consolas"/>
-                <a:cs typeface="Consolas"/>
+                <a:latin typeface="Consolas" panose="020B0609020204030204"/>
+                <a:cs typeface="Consolas" panose="020B0609020204030204"/>
               </a:rPr>
               <a:t>transition:</a:t>
             </a:r>
             <a:endParaRPr sz="1800">
-              <a:latin typeface="Consolas"/>
-              <a:cs typeface="Consolas"/>
+              <a:latin typeface="Consolas" panose="020B0609020204030204"/>
+              <a:cs typeface="Consolas" panose="020B0609020204030204"/>
             </a:endParaRPr>
           </a:p>
           <a:p>
@@ -2577,14 +2536,14 @@
             </a:pPr>
             <a:r>
               <a:rPr sz="1800" dirty="0">
-                <a:latin typeface="Consolas"/>
-                <a:cs typeface="Consolas"/>
+                <a:latin typeface="Consolas" panose="020B0609020204030204"/>
+                <a:cs typeface="Consolas" panose="020B0609020204030204"/>
               </a:rPr>
               <a:t>}</a:t>
             </a:r>
             <a:endParaRPr sz="1800">
-              <a:latin typeface="Consolas"/>
-              <a:cs typeface="Consolas"/>
+              <a:latin typeface="Consolas" panose="020B0609020204030204"/>
+              <a:cs typeface="Consolas" panose="020B0609020204030204"/>
             </a:endParaRPr>
           </a:p>
         </p:txBody>
@@ -2597,8 +2556,8 @@
         </p:nvSpPr>
         <p:spPr>
           <a:xfrm>
-            <a:off x="1577339" y="2559303"/>
-            <a:ext cx="3121660" cy="1346200"/>
+            <a:off x="1600200" y="3016250"/>
+            <a:ext cx="5507355" cy="1355090"/>
           </a:xfrm>
           <a:prstGeom prst="rect">
             <a:avLst/>
@@ -2612,7 +2571,7 @@
           <a:p>
             <a:pPr marL="342265" marR="5080" indent="-342900">
               <a:lnSpc>
-                <a:spcPct val="120400"/>
+                <a:spcPct val="120000"/>
               </a:lnSpc>
               <a:spcBef>
                 <a:spcPts val="100"/>
@@ -2623,28 +2582,80 @@
             </a:pPr>
             <a:r>
               <a:rPr sz="1800" dirty="0">
-                <a:latin typeface="Consolas"/>
-                <a:cs typeface="Consolas"/>
+                <a:latin typeface="Consolas" panose="020B0609020204030204"/>
+                <a:cs typeface="Consolas" panose="020B0609020204030204"/>
               </a:rPr>
               <a:t>.changeBack:hover { </a:t>
             </a:r>
             <a:r>
               <a:rPr sz="1800" spc="5" dirty="0">
-                <a:latin typeface="Consolas"/>
-                <a:cs typeface="Consolas"/>
+                <a:latin typeface="Consolas" panose="020B0609020204030204"/>
+                <a:cs typeface="Consolas" panose="020B0609020204030204"/>
               </a:rPr>
               <a:t> </a:t>
             </a:r>
             <a:r>
               <a:rPr sz="1800" dirty="0">
-                <a:latin typeface="Consolas"/>
-                <a:cs typeface="Consolas"/>
-              </a:rPr>
-              <a:t>background:	#ffff00;  width:	200px;</a:t>
+                <a:latin typeface="Consolas" panose="020B0609020204030204"/>
+                <a:cs typeface="Consolas" panose="020B0609020204030204"/>
+              </a:rPr>
+              <a:t>background:	#ffff00;  </a:t>
+            </a:r>
+            <a:endParaRPr sz="1800" dirty="0">
+              <a:latin typeface="Consolas" panose="020B0609020204030204"/>
+              <a:cs typeface="Consolas" panose="020B0609020204030204"/>
+            </a:endParaRPr>
+          </a:p>
+          <a:p>
+            <a:pPr marL="342265" marR="5080" indent="-342900">
+              <a:lnSpc>
+                <a:spcPct val="120000"/>
+              </a:lnSpc>
+              <a:spcBef>
+                <a:spcPts val="100"/>
+              </a:spcBef>
+              <a:tabLst>
+                <a:tab pos="2102485" algn="l"/>
+              </a:tabLst>
+            </a:pPr>
+            <a:r>
+              <a:rPr sz="1800" dirty="0">
+                <a:latin typeface="Consolas" panose="020B0609020204030204"/>
+                <a:cs typeface="Consolas" panose="020B0609020204030204"/>
+              </a:rPr>
+              <a:t> </a:t>
+            </a:r>
+            <a:r>
+              <a:rPr lang="en-US" sz="1800" dirty="0">
+                <a:latin typeface="Consolas" panose="020B0609020204030204"/>
+                <a:cs typeface="Consolas" panose="020B0609020204030204"/>
+              </a:rPr>
+              <a:t>     </a:t>
+            </a:r>
+            <a:r>
+              <a:rPr sz="1800" dirty="0">
+                <a:latin typeface="Consolas" panose="020B0609020204030204"/>
+                <a:cs typeface="Consolas" panose="020B0609020204030204"/>
+              </a:rPr>
+              <a:t>width:	</a:t>
+            </a:r>
+            <a:r>
+              <a:rPr lang="en-US" sz="1800" dirty="0">
+                <a:latin typeface="Consolas" panose="020B0609020204030204"/>
+                <a:cs typeface="Consolas" panose="020B0609020204030204"/>
+              </a:rPr>
+              <a:t>     </a:t>
+            </a:r>
+            <a:r>
+              <a:rPr sz="1800" dirty="0">
+                <a:latin typeface="Consolas" panose="020B0609020204030204"/>
+                <a:cs typeface="Consolas" panose="020B0609020204030204"/>
+              </a:rPr>
+              <a:t>200px;</a:t>
             </a:r>
             <a:endParaRPr sz="1800">
-              <a:latin typeface="Consolas"/>
-              <a:cs typeface="Consolas"/>
+              <a:latin typeface="Consolas" panose="020B0609020204030204"/>
+              <a:cs typeface="Consolas" panose="020B0609020204030204"/>
             </a:endParaRPr>
           </a:p>
           <a:p>
@@ -2653,19 +2664,19 @@
                 <a:spcPct val="100000"/>
               </a:lnSpc>
               <a:spcBef>
-                <a:spcPts val="439"/>
+                <a:spcPts val="440"/>
               </a:spcBef>
             </a:pPr>
             <a:r>
               <a:rPr sz="1800" dirty="0">
-                <a:latin typeface="Consolas"/>
-                <a:cs typeface="Consolas"/>
+                <a:latin typeface="Consolas" panose="020B0609020204030204"/>
+                <a:cs typeface="Consolas" panose="020B0609020204030204"/>
               </a:rPr>
               <a:t>}</a:t>
             </a:r>
             <a:endParaRPr sz="1800">
-              <a:latin typeface="Consolas"/>
-              <a:cs typeface="Consolas"/>
+              <a:latin typeface="Consolas" panose="020B0609020204030204"/>
+              <a:cs typeface="Consolas" panose="020B0609020204030204"/>
             </a:endParaRPr>
           </a:p>
         </p:txBody>
@@ -2687,8 +2698,6 @@
           <a:p>
             <a:fld id="{B6F15528-21DE-4FAA-801E-634DDDAF4B2B}" type="slidenum">
               <a:rPr lang="en-US" smtClean="0"/>
-              <a:pPr/>
-              <a:t>11</a:t>
             </a:fld>
             <a:endParaRPr lang="en-US"/>
           </a:p>
@@ -2752,6 +2761,7 @@
               <a:rPr spc="-5" dirty="0"/>
               <a:t>Transitions</a:t>
             </a:r>
+            <a:endParaRPr spc="-5" dirty="0"/>
           </a:p>
         </p:txBody>
       </p:sp>
@@ -2814,9 +2824,7 @@
           <p:txBody>
             <a:bodyPr wrap="square" lIns="0" tIns="0" rIns="0" bIns="0" rtlCol="0"/>
             <a:lstStyle/>
-            <a:p>
-              <a:endParaRPr/>
-            </a:p>
+            <a:p/>
           </p:txBody>
         </p:sp>
         <p:sp>
@@ -2866,9 +2874,7 @@
           <p:txBody>
             <a:bodyPr wrap="square" lIns="0" tIns="0" rIns="0" bIns="0" rtlCol="0"/>
             <a:lstStyle/>
-            <a:p>
-              <a:endParaRPr/>
-            </a:p>
+            <a:p/>
           </p:txBody>
         </p:sp>
       </p:grpSp>
@@ -2880,7 +2886,7 @@
         </p:nvSpPr>
         <p:spPr>
           <a:xfrm>
-            <a:off x="3680311" y="1954783"/>
+            <a:off x="3680311" y="2259583"/>
             <a:ext cx="892810" cy="299720"/>
           </a:xfrm>
           <a:prstGeom prst="rect">
@@ -2903,28 +2909,28 @@
             </a:pPr>
             <a:r>
               <a:rPr sz="1800" dirty="0">
-                <a:latin typeface="Consolas"/>
-                <a:cs typeface="Consolas"/>
+                <a:latin typeface="Consolas" panose="020B0609020204030204"/>
+                <a:cs typeface="Consolas" panose="020B0609020204030204"/>
               </a:rPr>
               <a:t>all</a:t>
             </a:r>
             <a:r>
               <a:rPr sz="1800" spc="-95" dirty="0">
-                <a:latin typeface="Consolas"/>
-                <a:cs typeface="Consolas"/>
+                <a:latin typeface="Consolas" panose="020B0609020204030204"/>
+                <a:cs typeface="Consolas" panose="020B0609020204030204"/>
               </a:rPr>
               <a:t> </a:t>
             </a:r>
             <a:r>
               <a:rPr sz="1800" dirty="0">
-                <a:latin typeface="Consolas"/>
-                <a:cs typeface="Consolas"/>
+                <a:latin typeface="Consolas" panose="020B0609020204030204"/>
+                <a:cs typeface="Consolas" panose="020B0609020204030204"/>
               </a:rPr>
               <a:t>2s;</a:t>
             </a:r>
             <a:endParaRPr sz="1800">
-              <a:latin typeface="Consolas"/>
-              <a:cs typeface="Consolas"/>
+              <a:latin typeface="Consolas" panose="020B0609020204030204"/>
+              <a:cs typeface="Consolas" panose="020B0609020204030204"/>
             </a:endParaRPr>
           </a:p>
         </p:txBody>
@@ -2952,7 +2958,7 @@
           <a:p>
             <a:pPr marL="342265" marR="5080" indent="-342900">
               <a:lnSpc>
-                <a:spcPct val="117200"/>
+                <a:spcPct val="117000"/>
               </a:lnSpc>
               <a:spcBef>
                 <a:spcPts val="100"/>
@@ -2960,28 +2966,28 @@
             </a:pPr>
             <a:r>
               <a:rPr sz="1800" dirty="0">
-                <a:latin typeface="Consolas"/>
-                <a:cs typeface="Consolas"/>
+                <a:latin typeface="Consolas" panose="020B0609020204030204"/>
+                <a:cs typeface="Consolas" panose="020B0609020204030204"/>
               </a:rPr>
               <a:t>.changeBack { </a:t>
             </a:r>
             <a:r>
               <a:rPr sz="1800" spc="-975" dirty="0">
-                <a:latin typeface="Consolas"/>
-                <a:cs typeface="Consolas"/>
+                <a:latin typeface="Consolas" panose="020B0609020204030204"/>
+                <a:cs typeface="Consolas" panose="020B0609020204030204"/>
               </a:rPr>
               <a:t> </a:t>
             </a:r>
             <a:r>
               <a:rPr sz="1800" dirty="0">
-                <a:latin typeface="Consolas"/>
-                <a:cs typeface="Consolas"/>
+                <a:latin typeface="Consolas" panose="020B0609020204030204"/>
+                <a:cs typeface="Consolas" panose="020B0609020204030204"/>
               </a:rPr>
               <a:t>transition:</a:t>
             </a:r>
             <a:endParaRPr sz="1800">
-              <a:latin typeface="Consolas"/>
-              <a:cs typeface="Consolas"/>
+              <a:latin typeface="Consolas" panose="020B0609020204030204"/>
+              <a:cs typeface="Consolas" panose="020B0609020204030204"/>
             </a:endParaRPr>
           </a:p>
           <a:p>
@@ -2995,14 +3001,14 @@
             </a:pPr>
             <a:r>
               <a:rPr sz="1800" dirty="0">
-                <a:latin typeface="Consolas"/>
-                <a:cs typeface="Consolas"/>
+                <a:latin typeface="Consolas" panose="020B0609020204030204"/>
+                <a:cs typeface="Consolas" panose="020B0609020204030204"/>
               </a:rPr>
               <a:t>}</a:t>
             </a:r>
             <a:endParaRPr sz="1800">
-              <a:latin typeface="Consolas"/>
-              <a:cs typeface="Consolas"/>
+              <a:latin typeface="Consolas" panose="020B0609020204030204"/>
+              <a:cs typeface="Consolas" panose="020B0609020204030204"/>
             </a:endParaRPr>
           </a:p>
         </p:txBody>
@@ -3015,8 +3021,8 @@
         </p:nvSpPr>
         <p:spPr>
           <a:xfrm>
-            <a:off x="1577339" y="2559303"/>
-            <a:ext cx="3121660" cy="1346200"/>
+            <a:off x="1577340" y="2940050"/>
+            <a:ext cx="4712335" cy="1367790"/>
           </a:xfrm>
           <a:prstGeom prst="rect">
             <a:avLst/>
@@ -3030,7 +3036,7 @@
           <a:p>
             <a:pPr marL="342265" marR="5080" indent="-342900">
               <a:lnSpc>
-                <a:spcPct val="120400"/>
+                <a:spcPct val="120000"/>
               </a:lnSpc>
               <a:spcBef>
                 <a:spcPts val="100"/>
@@ -3041,28 +3047,69 @@
             </a:pPr>
             <a:r>
               <a:rPr sz="1800" dirty="0">
-                <a:latin typeface="Consolas"/>
-                <a:cs typeface="Consolas"/>
+                <a:latin typeface="Consolas" panose="020B0609020204030204"/>
+                <a:cs typeface="Consolas" panose="020B0609020204030204"/>
               </a:rPr>
               <a:t>.changeBack:hover { </a:t>
             </a:r>
             <a:r>
               <a:rPr sz="1800" spc="5" dirty="0">
-                <a:latin typeface="Consolas"/>
-                <a:cs typeface="Consolas"/>
+                <a:latin typeface="Consolas" panose="020B0609020204030204"/>
+                <a:cs typeface="Consolas" panose="020B0609020204030204"/>
               </a:rPr>
               <a:t> </a:t>
             </a:r>
+            <a:endParaRPr sz="1800" spc="5" dirty="0">
+              <a:latin typeface="Consolas" panose="020B0609020204030204"/>
+              <a:cs typeface="Consolas" panose="020B0609020204030204"/>
+            </a:endParaRPr>
+          </a:p>
+          <a:p>
+            <a:pPr marL="342265" marR="5080" indent="-342900">
+              <a:lnSpc>
+                <a:spcPct val="120000"/>
+              </a:lnSpc>
+              <a:spcBef>
+                <a:spcPts val="100"/>
+              </a:spcBef>
+              <a:tabLst>
+                <a:tab pos="2102485" algn="l"/>
+              </a:tabLst>
+            </a:pPr>
             <a:r>
               <a:rPr sz="1800" dirty="0">
-                <a:latin typeface="Consolas"/>
-                <a:cs typeface="Consolas"/>
-              </a:rPr>
-              <a:t>background:	#ffff00;  width:	200px;</a:t>
+                <a:latin typeface="Consolas" panose="020B0609020204030204"/>
+                <a:cs typeface="Consolas" panose="020B0609020204030204"/>
+              </a:rPr>
+              <a:t>background:	#ffff00; </a:t>
+            </a:r>
+            <a:endParaRPr sz="1800" dirty="0">
+              <a:latin typeface="Consolas" panose="020B0609020204030204"/>
+              <a:cs typeface="Consolas" panose="020B0609020204030204"/>
+            </a:endParaRPr>
+          </a:p>
+          <a:p>
+            <a:pPr marL="342265" marR="5080" indent="-342900">
+              <a:lnSpc>
+                <a:spcPct val="120000"/>
+              </a:lnSpc>
+              <a:spcBef>
+                <a:spcPts val="100"/>
+              </a:spcBef>
+              <a:tabLst>
+                <a:tab pos="2102485" algn="l"/>
+              </a:tabLst>
+            </a:pPr>
+            <a:r>
+              <a:rPr sz="1800" dirty="0">
+                <a:latin typeface="Consolas" panose="020B0609020204030204"/>
+                <a:cs typeface="Consolas" panose="020B0609020204030204"/>
+              </a:rPr>
+              <a:t>width:	200px;</a:t>
             </a:r>
             <a:endParaRPr sz="1800">
-              <a:latin typeface="Consolas"/>
-              <a:cs typeface="Consolas"/>
+              <a:latin typeface="Consolas" panose="020B0609020204030204"/>
+              <a:cs typeface="Consolas" panose="020B0609020204030204"/>
             </a:endParaRPr>
           </a:p>
           <a:p>
@@ -3071,19 +3118,19 @@
                 <a:spcPct val="100000"/>
               </a:lnSpc>
               <a:spcBef>
-                <a:spcPts val="439"/>
+                <a:spcPts val="440"/>
               </a:spcBef>
             </a:pPr>
             <a:r>
               <a:rPr sz="1800" dirty="0">
-                <a:latin typeface="Consolas"/>
-                <a:cs typeface="Consolas"/>
+                <a:latin typeface="Consolas" panose="020B0609020204030204"/>
+                <a:cs typeface="Consolas" panose="020B0609020204030204"/>
               </a:rPr>
               <a:t>}</a:t>
             </a:r>
             <a:endParaRPr sz="1800">
-              <a:latin typeface="Consolas"/>
-              <a:cs typeface="Consolas"/>
+              <a:latin typeface="Consolas" panose="020B0609020204030204"/>
+              <a:cs typeface="Consolas" panose="020B0609020204030204"/>
             </a:endParaRPr>
           </a:p>
         </p:txBody>
@@ -3105,8 +3152,6 @@
           <a:p>
             <a:fld id="{B6F15528-21DE-4FAA-801E-634DDDAF4B2B}" type="slidenum">
               <a:rPr lang="en-US" smtClean="0"/>
-              <a:pPr/>
-              <a:t>12</a:t>
             </a:fld>
             <a:endParaRPr lang="en-US"/>
           </a:p>
@@ -3194,6 +3239,7 @@
               <a:rPr spc="-5" dirty="0"/>
               <a:t>Site</a:t>
             </a:r>
+            <a:endParaRPr spc="-5" dirty="0"/>
           </a:p>
         </p:txBody>
       </p:sp>
@@ -3350,9 +3396,7 @@
         <p:txBody>
           <a:bodyPr wrap="square" lIns="0" tIns="0" rIns="0" bIns="0" rtlCol="0"/>
           <a:lstStyle/>
-          <a:p>
-            <a:endParaRPr/>
-          </a:p>
+          <a:p/>
         </p:txBody>
       </p:sp>
       <p:sp>
@@ -3389,14 +3433,14 @@
                 <a:solidFill>
                   <a:srgbClr val="FFFFFF"/>
                 </a:solidFill>
-                <a:latin typeface="Arial"/>
-                <a:cs typeface="Arial"/>
+                <a:latin typeface="Arial" panose="020B0604020202020204"/>
+                <a:cs typeface="Arial" panose="020B0604020202020204"/>
               </a:rPr>
               <a:t>DEMO</a:t>
             </a:r>
             <a:endParaRPr sz="6500">
-              <a:latin typeface="Arial"/>
-              <a:cs typeface="Arial"/>
+              <a:latin typeface="Arial" panose="020B0604020202020204"/>
+              <a:cs typeface="Arial" panose="020B0604020202020204"/>
             </a:endParaRPr>
           </a:p>
         </p:txBody>
@@ -3418,8 +3462,6 @@
           <a:p>
             <a:fld id="{B6F15528-21DE-4FAA-801E-634DDDAF4B2B}" type="slidenum">
               <a:rPr lang="en-US" smtClean="0"/>
-              <a:pPr/>
-              <a:t>13</a:t>
             </a:fld>
             <a:endParaRPr lang="en-US"/>
           </a:p>
@@ -3487,6 +3529,7 @@
               <a:rPr spc="-5" dirty="0"/>
               <a:t>Summary</a:t>
             </a:r>
+            <a:endParaRPr spc="-5" dirty="0"/>
           </a:p>
         </p:txBody>
       </p:sp>
@@ -3518,7 +3561,7 @@
               <a:spcBef>
                 <a:spcPts val="580"/>
               </a:spcBef>
-              <a:buFont typeface="Wingdings"/>
+              <a:buFont typeface="Wingdings" panose="05000000000000000000"/>
               <a:buChar char=""/>
               <a:tabLst>
                 <a:tab pos="354965" algn="l"/>
@@ -3527,49 +3570,49 @@
             </a:pPr>
             <a:r>
               <a:rPr sz="2000" b="1" spc="-5" dirty="0">
-                <a:latin typeface="Arial"/>
-                <a:cs typeface="Arial"/>
+                <a:latin typeface="Arial" panose="020B0604020202020204"/>
+                <a:cs typeface="Arial" panose="020B0604020202020204"/>
               </a:rPr>
               <a:t>Animate elements on</a:t>
             </a:r>
             <a:r>
               <a:rPr sz="2000" b="1" spc="-10" dirty="0">
-                <a:latin typeface="Arial"/>
-                <a:cs typeface="Arial"/>
+                <a:latin typeface="Arial" panose="020B0604020202020204"/>
+                <a:cs typeface="Arial" panose="020B0604020202020204"/>
               </a:rPr>
               <a:t> </a:t>
             </a:r>
             <a:r>
               <a:rPr sz="2000" b="1" dirty="0">
-                <a:latin typeface="Arial"/>
-                <a:cs typeface="Arial"/>
+                <a:latin typeface="Arial" panose="020B0604020202020204"/>
+                <a:cs typeface="Arial" panose="020B0604020202020204"/>
               </a:rPr>
               <a:t>a</a:t>
             </a:r>
             <a:r>
               <a:rPr sz="2000" b="1" spc="-5" dirty="0">
-                <a:latin typeface="Arial"/>
-                <a:cs typeface="Arial"/>
+                <a:latin typeface="Arial" panose="020B0604020202020204"/>
+                <a:cs typeface="Arial" panose="020B0604020202020204"/>
               </a:rPr>
               <a:t> page</a:t>
             </a:r>
             <a:r>
               <a:rPr sz="2000" b="1" dirty="0">
-                <a:latin typeface="Arial"/>
-                <a:cs typeface="Arial"/>
+                <a:latin typeface="Arial" panose="020B0604020202020204"/>
+                <a:cs typeface="Arial" panose="020B0604020202020204"/>
               </a:rPr>
               <a:t> </a:t>
             </a:r>
             <a:r>
               <a:rPr sz="2000" b="1" spc="-5" dirty="0">
-                <a:latin typeface="Arial"/>
-                <a:cs typeface="Arial"/>
+                <a:latin typeface="Arial" panose="020B0604020202020204"/>
+                <a:cs typeface="Arial" panose="020B0604020202020204"/>
               </a:rPr>
               <a:t>via</a:t>
             </a:r>
             <a:endParaRPr sz="2000">
-              <a:latin typeface="Arial"/>
-              <a:cs typeface="Arial"/>
+              <a:latin typeface="Arial" panose="020B0604020202020204"/>
+              <a:cs typeface="Arial" panose="020B0604020202020204"/>
             </a:endParaRPr>
           </a:p>
           <a:p>
@@ -3581,7 +3624,7 @@
                 <a:spcPts val="430"/>
               </a:spcBef>
               <a:buSzPct val="50000"/>
-              <a:buFont typeface="Wingdings"/>
+              <a:buFont typeface="Wingdings" panose="05000000000000000000"/>
               <a:buChar char=""/>
               <a:tabLst>
                 <a:tab pos="755015" algn="l"/>
@@ -3623,7 +3666,7 @@
                 <a:spcPts val="340"/>
               </a:spcBef>
               <a:buSzPct val="50000"/>
-              <a:buFont typeface="Wingdings"/>
+              <a:buFont typeface="Wingdings" panose="05000000000000000000"/>
               <a:buChar char=""/>
               <a:tabLst>
                 <a:tab pos="755015" algn="l"/>
@@ -3682,8 +3725,6 @@
           <a:p>
             <a:fld id="{B6F15528-21DE-4FAA-801E-634DDDAF4B2B}" type="slidenum">
               <a:rPr lang="en-US" smtClean="0"/>
-              <a:pPr/>
-              <a:t>14</a:t>
             </a:fld>
             <a:endParaRPr lang="en-US"/>
           </a:p>
@@ -3759,6 +3800,7 @@
               <a:rPr spc="-5" dirty="0"/>
               <a:t>Overview</a:t>
             </a:r>
+            <a:endParaRPr spc="-5" dirty="0"/>
           </a:p>
         </p:txBody>
       </p:sp>
@@ -3790,7 +3832,7 @@
               <a:spcBef>
                 <a:spcPts val="580"/>
               </a:spcBef>
-              <a:buFont typeface="Wingdings"/>
+              <a:buFont typeface="Wingdings" panose="05000000000000000000"/>
               <a:buChar char=""/>
               <a:tabLst>
                 <a:tab pos="354965" algn="l"/>
@@ -3799,14 +3841,14 @@
             </a:pPr>
             <a:r>
               <a:rPr sz="2000" b="1" spc="-5" dirty="0">
-                <a:latin typeface="Arial"/>
-                <a:cs typeface="Arial"/>
+                <a:latin typeface="Arial" panose="020B0604020202020204"/>
+                <a:cs typeface="Arial" panose="020B0604020202020204"/>
               </a:rPr>
               <a:t>Animations</a:t>
             </a:r>
             <a:endParaRPr sz="2000">
-              <a:latin typeface="Arial"/>
-              <a:cs typeface="Arial"/>
+              <a:latin typeface="Arial" panose="020B0604020202020204"/>
+              <a:cs typeface="Arial" panose="020B0604020202020204"/>
             </a:endParaRPr>
           </a:p>
           <a:p>
@@ -3817,7 +3859,7 @@
               <a:spcBef>
                 <a:spcPts val="480"/>
               </a:spcBef>
-              <a:buFont typeface="Wingdings"/>
+              <a:buFont typeface="Wingdings" panose="05000000000000000000"/>
               <a:buChar char=""/>
               <a:tabLst>
                 <a:tab pos="354965" algn="l"/>
@@ -3826,14 +3868,14 @@
             </a:pPr>
             <a:r>
               <a:rPr sz="2000" b="1" spc="-5" dirty="0">
-                <a:latin typeface="Arial"/>
-                <a:cs typeface="Arial"/>
+                <a:latin typeface="Arial" panose="020B0604020202020204"/>
+                <a:cs typeface="Arial" panose="020B0604020202020204"/>
               </a:rPr>
               <a:t>Transitions</a:t>
             </a:r>
             <a:endParaRPr sz="2000">
-              <a:latin typeface="Arial"/>
-              <a:cs typeface="Arial"/>
+              <a:latin typeface="Arial" panose="020B0604020202020204"/>
+              <a:cs typeface="Arial" panose="020B0604020202020204"/>
             </a:endParaRPr>
           </a:p>
           <a:p>
@@ -3844,7 +3886,7 @@
               <a:spcBef>
                 <a:spcPts val="400"/>
               </a:spcBef>
-              <a:buFont typeface="Wingdings"/>
+              <a:buFont typeface="Wingdings" panose="05000000000000000000"/>
               <a:buChar char=""/>
               <a:tabLst>
                 <a:tab pos="354965" algn="l"/>
@@ -3853,14 +3895,14 @@
             </a:pPr>
             <a:r>
               <a:rPr sz="2000" b="1" spc="-5" dirty="0">
-                <a:latin typeface="Arial"/>
-                <a:cs typeface="Arial"/>
+                <a:latin typeface="Arial" panose="020B0604020202020204"/>
+                <a:cs typeface="Arial" panose="020B0604020202020204"/>
               </a:rPr>
               <a:t>Summary</a:t>
             </a:r>
             <a:endParaRPr sz="2000">
-              <a:latin typeface="Arial"/>
-              <a:cs typeface="Arial"/>
+              <a:latin typeface="Arial" panose="020B0604020202020204"/>
+              <a:cs typeface="Arial" panose="020B0604020202020204"/>
             </a:endParaRPr>
           </a:p>
         </p:txBody>
@@ -3882,8 +3924,6 @@
           <a:p>
             <a:fld id="{B6F15528-21DE-4FAA-801E-634DDDAF4B2B}" type="slidenum">
               <a:rPr lang="en-US" smtClean="0"/>
-              <a:pPr/>
-              <a:t>2</a:t>
             </a:fld>
             <a:endParaRPr lang="en-US"/>
           </a:p>
@@ -3945,56 +3985,56 @@
             </a:pPr>
             <a:r>
               <a:rPr sz="2000" b="1" spc="-5" dirty="0">
-                <a:latin typeface="Arial"/>
-                <a:cs typeface="Arial"/>
+                <a:latin typeface="Arial" panose="020B0604020202020204"/>
+                <a:cs typeface="Arial" panose="020B0604020202020204"/>
               </a:rPr>
               <a:t>The</a:t>
             </a:r>
             <a:r>
               <a:rPr sz="2000" b="1" spc="-25" dirty="0">
-                <a:latin typeface="Arial"/>
-                <a:cs typeface="Arial"/>
+                <a:latin typeface="Arial" panose="020B0604020202020204"/>
+                <a:cs typeface="Arial" panose="020B0604020202020204"/>
               </a:rPr>
               <a:t> </a:t>
             </a:r>
             <a:r>
               <a:rPr sz="2000" b="1" spc="-5" dirty="0">
-                <a:latin typeface="Arial"/>
-                <a:cs typeface="Arial"/>
+                <a:latin typeface="Arial" panose="020B0604020202020204"/>
+                <a:cs typeface="Arial" panose="020B0604020202020204"/>
               </a:rPr>
               <a:t>show</a:t>
             </a:r>
             <a:r>
               <a:rPr sz="2000" b="1" spc="-30" dirty="0">
-                <a:latin typeface="Arial"/>
-                <a:cs typeface="Arial"/>
+                <a:latin typeface="Arial" panose="020B0604020202020204"/>
+                <a:cs typeface="Arial" panose="020B0604020202020204"/>
               </a:rPr>
               <a:t> </a:t>
             </a:r>
             <a:r>
               <a:rPr sz="2000" b="1" dirty="0">
-                <a:latin typeface="Arial"/>
-                <a:cs typeface="Arial"/>
+                <a:latin typeface="Arial" panose="020B0604020202020204"/>
+                <a:cs typeface="Arial" panose="020B0604020202020204"/>
               </a:rPr>
               <a:t>starts</a:t>
             </a:r>
             <a:r>
               <a:rPr sz="2000" b="1" spc="-25" dirty="0">
-                <a:latin typeface="Arial"/>
-                <a:cs typeface="Arial"/>
+                <a:latin typeface="Arial" panose="020B0604020202020204"/>
+                <a:cs typeface="Arial" panose="020B0604020202020204"/>
               </a:rPr>
               <a:t> </a:t>
             </a:r>
             <a:r>
               <a:rPr sz="2000" b="1" spc="-5" dirty="0">
-                <a:latin typeface="Arial"/>
-                <a:cs typeface="Arial"/>
+                <a:latin typeface="Arial" panose="020B0604020202020204"/>
+                <a:cs typeface="Arial" panose="020B0604020202020204"/>
               </a:rPr>
               <a:t>now!</a:t>
             </a:r>
             <a:endParaRPr sz="2000">
-              <a:latin typeface="Arial"/>
-              <a:cs typeface="Arial"/>
+              <a:latin typeface="Arial" panose="020B0604020202020204"/>
+              <a:cs typeface="Arial" panose="020B0604020202020204"/>
             </a:endParaRPr>
           </a:p>
           <a:p>
@@ -4007,8 +4047,8 @@
               </a:spcBef>
             </a:pPr>
             <a:endParaRPr sz="2050">
-              <a:latin typeface="Arial"/>
-              <a:cs typeface="Arial"/>
+              <a:latin typeface="Arial" panose="020B0604020202020204"/>
+              <a:cs typeface="Arial" panose="020B0604020202020204"/>
             </a:endParaRPr>
           </a:p>
           <a:p>
@@ -4019,14 +4059,14 @@
             </a:pPr>
             <a:r>
               <a:rPr sz="2800" b="1" spc="-5" dirty="0">
-                <a:latin typeface="Arial"/>
-                <a:cs typeface="Arial"/>
+                <a:latin typeface="Arial" panose="020B0604020202020204"/>
+                <a:cs typeface="Arial" panose="020B0604020202020204"/>
               </a:rPr>
               <a:t>Animations</a:t>
             </a:r>
             <a:endParaRPr sz="2800">
-              <a:latin typeface="Arial"/>
-              <a:cs typeface="Arial"/>
+              <a:latin typeface="Arial" panose="020B0604020202020204"/>
+              <a:cs typeface="Arial" panose="020B0604020202020204"/>
             </a:endParaRPr>
           </a:p>
         </p:txBody>
@@ -4048,8 +4088,6 @@
           <a:p>
             <a:fld id="{B6F15528-21DE-4FAA-801E-634DDDAF4B2B}" type="slidenum">
               <a:rPr lang="en-US" smtClean="0"/>
-              <a:pPr/>
-              <a:t>3</a:t>
             </a:fld>
             <a:endParaRPr lang="en-US"/>
           </a:p>
@@ -4117,6 +4155,7 @@
               <a:rPr dirty="0"/>
               <a:t>KeyFrames</a:t>
             </a:r>
+            <a:endParaRPr dirty="0"/>
           </a:p>
         </p:txBody>
       </p:sp>
@@ -4154,47 +4193,47 @@
                 <a:spcPct val="100000"/>
               </a:lnSpc>
               <a:spcBef>
-                <a:spcPts val="359"/>
+                <a:spcPts val="360"/>
               </a:spcBef>
             </a:pPr>
             <a:r>
               <a:rPr sz="1800" dirty="0">
-                <a:latin typeface="Consolas"/>
-                <a:cs typeface="Consolas"/>
+                <a:latin typeface="Consolas" panose="020B0609020204030204"/>
+                <a:cs typeface="Consolas" panose="020B0609020204030204"/>
               </a:rPr>
               <a:t>@keyframes</a:t>
             </a:r>
             <a:r>
               <a:rPr sz="1800" spc="-40" dirty="0">
-                <a:latin typeface="Consolas"/>
-                <a:cs typeface="Consolas"/>
+                <a:latin typeface="Consolas" panose="020B0609020204030204"/>
+                <a:cs typeface="Consolas" panose="020B0609020204030204"/>
               </a:rPr>
               <a:t> </a:t>
             </a:r>
             <a:r>
               <a:rPr sz="1800" dirty="0">
-                <a:latin typeface="Consolas"/>
-                <a:cs typeface="Consolas"/>
+                <a:latin typeface="Consolas" panose="020B0609020204030204"/>
+                <a:cs typeface="Consolas" panose="020B0609020204030204"/>
               </a:rPr>
               <a:t>blushing</a:t>
             </a:r>
             <a:r>
               <a:rPr sz="1800" spc="-40" dirty="0">
-                <a:latin typeface="Consolas"/>
-                <a:cs typeface="Consolas"/>
+                <a:latin typeface="Consolas" panose="020B0609020204030204"/>
+                <a:cs typeface="Consolas" panose="020B0609020204030204"/>
               </a:rPr>
               <a:t> </a:t>
             </a:r>
             <a:r>
               <a:rPr sz="1800" dirty="0">
-                <a:latin typeface="Consolas"/>
-                <a:cs typeface="Consolas"/>
+                <a:latin typeface="Consolas" panose="020B0609020204030204"/>
+                <a:cs typeface="Consolas" panose="020B0609020204030204"/>
               </a:rPr>
               <a:t>{</a:t>
             </a:r>
             <a:endParaRPr sz="1800">
-              <a:latin typeface="Consolas"/>
-              <a:cs typeface="Consolas"/>
+              <a:latin typeface="Consolas" panose="020B0609020204030204"/>
+              <a:cs typeface="Consolas" panose="020B0609020204030204"/>
             </a:endParaRPr>
           </a:p>
           <a:p>
@@ -4211,98 +4250,98 @@
             </a:pPr>
             <a:r>
               <a:rPr sz="1800" dirty="0">
-                <a:latin typeface="Consolas"/>
-                <a:cs typeface="Consolas"/>
+                <a:latin typeface="Consolas" panose="020B0609020204030204"/>
+                <a:cs typeface="Consolas" panose="020B0609020204030204"/>
               </a:rPr>
               <a:t>from</a:t>
             </a:r>
             <a:r>
               <a:rPr sz="1800" spc="-25" dirty="0">
-                <a:latin typeface="Consolas"/>
-                <a:cs typeface="Consolas"/>
+                <a:latin typeface="Consolas" panose="020B0609020204030204"/>
+                <a:cs typeface="Consolas" panose="020B0609020204030204"/>
               </a:rPr>
               <a:t> </a:t>
             </a:r>
             <a:r>
               <a:rPr sz="1800" dirty="0">
-                <a:latin typeface="Consolas"/>
-                <a:cs typeface="Consolas"/>
+                <a:latin typeface="Consolas" panose="020B0609020204030204"/>
+                <a:cs typeface="Consolas" panose="020B0609020204030204"/>
               </a:rPr>
               <a:t>{</a:t>
             </a:r>
             <a:r>
               <a:rPr sz="1800" spc="-20" dirty="0">
-                <a:latin typeface="Consolas"/>
-                <a:cs typeface="Consolas"/>
+                <a:latin typeface="Consolas" panose="020B0609020204030204"/>
+                <a:cs typeface="Consolas" panose="020B0609020204030204"/>
               </a:rPr>
               <a:t> </a:t>
             </a:r>
             <a:r>
               <a:rPr sz="1800" dirty="0">
-                <a:latin typeface="Consolas"/>
-                <a:cs typeface="Consolas"/>
+                <a:latin typeface="Consolas" panose="020B0609020204030204"/>
+                <a:cs typeface="Consolas" panose="020B0609020204030204"/>
               </a:rPr>
               <a:t>background:</a:t>
             </a:r>
             <a:r>
               <a:rPr sz="1800" spc="-20" dirty="0">
-                <a:latin typeface="Consolas"/>
-                <a:cs typeface="Consolas"/>
+                <a:latin typeface="Consolas" panose="020B0609020204030204"/>
+                <a:cs typeface="Consolas" panose="020B0609020204030204"/>
               </a:rPr>
               <a:t> </a:t>
             </a:r>
             <a:r>
               <a:rPr sz="1800" spc="-5" dirty="0">
-                <a:latin typeface="Consolas"/>
-                <a:cs typeface="Consolas"/>
+                <a:latin typeface="Consolas" panose="020B0609020204030204"/>
+                <a:cs typeface="Consolas" panose="020B0609020204030204"/>
               </a:rPr>
               <a:t>#dddddd;} </a:t>
             </a:r>
             <a:r>
               <a:rPr sz="1800" spc="-975" dirty="0">
-                <a:latin typeface="Consolas"/>
-                <a:cs typeface="Consolas"/>
+                <a:latin typeface="Consolas" panose="020B0609020204030204"/>
+                <a:cs typeface="Consolas" panose="020B0609020204030204"/>
               </a:rPr>
               <a:t> </a:t>
             </a:r>
             <a:r>
               <a:rPr sz="1800" dirty="0">
-                <a:latin typeface="Consolas"/>
-                <a:cs typeface="Consolas"/>
+                <a:latin typeface="Consolas" panose="020B0609020204030204"/>
+                <a:cs typeface="Consolas" panose="020B0609020204030204"/>
               </a:rPr>
               <a:t>to	{</a:t>
             </a:r>
             <a:r>
               <a:rPr sz="1800" spc="-50" dirty="0">
-                <a:latin typeface="Consolas"/>
-                <a:cs typeface="Consolas"/>
+                <a:latin typeface="Consolas" panose="020B0609020204030204"/>
+                <a:cs typeface="Consolas" panose="020B0609020204030204"/>
               </a:rPr>
               <a:t> </a:t>
             </a:r>
             <a:r>
               <a:rPr sz="1800" dirty="0">
-                <a:latin typeface="Consolas"/>
-                <a:cs typeface="Consolas"/>
+                <a:latin typeface="Consolas" panose="020B0609020204030204"/>
+                <a:cs typeface="Consolas" panose="020B0609020204030204"/>
               </a:rPr>
               <a:t>background:</a:t>
             </a:r>
             <a:r>
               <a:rPr sz="1800" spc="-50" dirty="0">
-                <a:latin typeface="Consolas"/>
-                <a:cs typeface="Consolas"/>
+                <a:latin typeface="Consolas" panose="020B0609020204030204"/>
+                <a:cs typeface="Consolas" panose="020B0609020204030204"/>
               </a:rPr>
               <a:t> </a:t>
             </a:r>
             <a:r>
               <a:rPr sz="1800" dirty="0">
-                <a:latin typeface="Consolas"/>
-                <a:cs typeface="Consolas"/>
+                <a:latin typeface="Consolas" panose="020B0609020204030204"/>
+                <a:cs typeface="Consolas" panose="020B0609020204030204"/>
               </a:rPr>
               <a:t>#ff9999;}</a:t>
             </a:r>
             <a:endParaRPr sz="1800">
-              <a:latin typeface="Consolas"/>
-              <a:cs typeface="Consolas"/>
+              <a:latin typeface="Consolas" panose="020B0609020204030204"/>
+              <a:cs typeface="Consolas" panose="020B0609020204030204"/>
             </a:endParaRPr>
           </a:p>
           <a:p>
@@ -4316,14 +4355,14 @@
             </a:pPr>
             <a:r>
               <a:rPr sz="1800" dirty="0">
-                <a:latin typeface="Consolas"/>
-                <a:cs typeface="Consolas"/>
+                <a:latin typeface="Consolas" panose="020B0609020204030204"/>
+                <a:cs typeface="Consolas" panose="020B0609020204030204"/>
               </a:rPr>
               <a:t>}</a:t>
             </a:r>
             <a:endParaRPr sz="1800">
-              <a:latin typeface="Consolas"/>
-              <a:cs typeface="Consolas"/>
+              <a:latin typeface="Consolas" panose="020B0609020204030204"/>
+              <a:cs typeface="Consolas" panose="020B0609020204030204"/>
             </a:endParaRPr>
           </a:p>
           <a:p>
@@ -4337,48 +4376,48 @@
             </a:pPr>
             <a:r>
               <a:rPr sz="1800" dirty="0">
-                <a:latin typeface="Consolas"/>
-                <a:cs typeface="Consolas"/>
+                <a:latin typeface="Consolas" panose="020B0609020204030204"/>
+                <a:cs typeface="Consolas" panose="020B0609020204030204"/>
               </a:rPr>
               <a:t>@keyframes</a:t>
             </a:r>
             <a:r>
               <a:rPr sz="1800" spc="-40" dirty="0">
-                <a:latin typeface="Consolas"/>
-                <a:cs typeface="Consolas"/>
+                <a:latin typeface="Consolas" panose="020B0609020204030204"/>
+                <a:cs typeface="Consolas" panose="020B0609020204030204"/>
               </a:rPr>
               <a:t> </a:t>
             </a:r>
             <a:r>
               <a:rPr sz="1800" dirty="0">
-                <a:latin typeface="Consolas"/>
-                <a:cs typeface="Consolas"/>
+                <a:latin typeface="Consolas" panose="020B0609020204030204"/>
+                <a:cs typeface="Consolas" panose="020B0609020204030204"/>
               </a:rPr>
               <a:t>stillBlushing</a:t>
             </a:r>
             <a:r>
               <a:rPr sz="1800" spc="-40" dirty="0">
-                <a:latin typeface="Consolas"/>
-                <a:cs typeface="Consolas"/>
+                <a:latin typeface="Consolas" panose="020B0609020204030204"/>
+                <a:cs typeface="Consolas" panose="020B0609020204030204"/>
               </a:rPr>
               <a:t> </a:t>
             </a:r>
             <a:r>
               <a:rPr sz="1800" dirty="0">
-                <a:latin typeface="Consolas"/>
-                <a:cs typeface="Consolas"/>
+                <a:latin typeface="Consolas" panose="020B0609020204030204"/>
+                <a:cs typeface="Consolas" panose="020B0609020204030204"/>
               </a:rPr>
               <a:t>{</a:t>
             </a:r>
             <a:endParaRPr sz="1800">
-              <a:latin typeface="Consolas"/>
-              <a:cs typeface="Consolas"/>
+              <a:latin typeface="Consolas" panose="020B0609020204030204"/>
+              <a:cs typeface="Consolas" panose="020B0609020204030204"/>
             </a:endParaRPr>
           </a:p>
           <a:p>
             <a:pPr marL="433705" marR="2084705">
               <a:lnSpc>
-                <a:spcPct val="120400"/>
+                <a:spcPct val="120000"/>
               </a:lnSpc>
               <a:tabLst>
                 <a:tab pos="1188085" algn="l"/>
@@ -4386,98 +4425,98 @@
             </a:pPr>
             <a:r>
               <a:rPr sz="1800" dirty="0">
-                <a:latin typeface="Consolas"/>
-                <a:cs typeface="Consolas"/>
+                <a:latin typeface="Consolas" panose="020B0609020204030204"/>
+                <a:cs typeface="Consolas" panose="020B0609020204030204"/>
               </a:rPr>
               <a:t>0%	{</a:t>
             </a:r>
             <a:r>
               <a:rPr sz="1800" spc="-30" dirty="0">
-                <a:latin typeface="Consolas"/>
-                <a:cs typeface="Consolas"/>
+                <a:latin typeface="Consolas" panose="020B0609020204030204"/>
+                <a:cs typeface="Consolas" panose="020B0609020204030204"/>
               </a:rPr>
               <a:t> </a:t>
             </a:r>
             <a:r>
               <a:rPr sz="1800" dirty="0">
-                <a:latin typeface="Consolas"/>
-                <a:cs typeface="Consolas"/>
+                <a:latin typeface="Consolas" panose="020B0609020204030204"/>
+                <a:cs typeface="Consolas" panose="020B0609020204030204"/>
               </a:rPr>
               <a:t>background:</a:t>
             </a:r>
             <a:r>
               <a:rPr sz="1800" spc="-30" dirty="0">
-                <a:latin typeface="Consolas"/>
-                <a:cs typeface="Consolas"/>
+                <a:latin typeface="Consolas" panose="020B0609020204030204"/>
+                <a:cs typeface="Consolas" panose="020B0609020204030204"/>
               </a:rPr>
               <a:t> </a:t>
             </a:r>
             <a:r>
               <a:rPr sz="1800" spc="-5" dirty="0">
-                <a:latin typeface="Consolas"/>
-                <a:cs typeface="Consolas"/>
+                <a:latin typeface="Consolas" panose="020B0609020204030204"/>
+                <a:cs typeface="Consolas" panose="020B0609020204030204"/>
               </a:rPr>
               <a:t>#dddddd;} </a:t>
             </a:r>
             <a:r>
               <a:rPr sz="1800" spc="-975" dirty="0">
-                <a:latin typeface="Consolas"/>
-                <a:cs typeface="Consolas"/>
+                <a:latin typeface="Consolas" panose="020B0609020204030204"/>
+                <a:cs typeface="Consolas" panose="020B0609020204030204"/>
               </a:rPr>
               <a:t> </a:t>
             </a:r>
             <a:r>
               <a:rPr sz="1800" dirty="0">
-                <a:latin typeface="Consolas"/>
-                <a:cs typeface="Consolas"/>
+                <a:latin typeface="Consolas" panose="020B0609020204030204"/>
+                <a:cs typeface="Consolas" panose="020B0609020204030204"/>
               </a:rPr>
               <a:t>100%</a:t>
             </a:r>
             <a:r>
               <a:rPr sz="1800" spc="-25" dirty="0">
-                <a:latin typeface="Consolas"/>
-                <a:cs typeface="Consolas"/>
+                <a:latin typeface="Consolas" panose="020B0609020204030204"/>
+                <a:cs typeface="Consolas" panose="020B0609020204030204"/>
               </a:rPr>
               <a:t> </a:t>
             </a:r>
             <a:r>
               <a:rPr sz="1800" dirty="0">
-                <a:latin typeface="Consolas"/>
-                <a:cs typeface="Consolas"/>
+                <a:latin typeface="Consolas" panose="020B0609020204030204"/>
+                <a:cs typeface="Consolas" panose="020B0609020204030204"/>
               </a:rPr>
               <a:t>{</a:t>
             </a:r>
             <a:r>
               <a:rPr sz="1800" spc="-25" dirty="0">
-                <a:latin typeface="Consolas"/>
-                <a:cs typeface="Consolas"/>
+                <a:latin typeface="Consolas" panose="020B0609020204030204"/>
+                <a:cs typeface="Consolas" panose="020B0609020204030204"/>
               </a:rPr>
               <a:t> </a:t>
             </a:r>
             <a:r>
               <a:rPr sz="1800" dirty="0">
-                <a:latin typeface="Consolas"/>
-                <a:cs typeface="Consolas"/>
+                <a:latin typeface="Consolas" panose="020B0609020204030204"/>
+                <a:cs typeface="Consolas" panose="020B0609020204030204"/>
               </a:rPr>
               <a:t>background:</a:t>
             </a:r>
             <a:r>
               <a:rPr sz="1800" spc="-25" dirty="0">
-                <a:latin typeface="Consolas"/>
-                <a:cs typeface="Consolas"/>
+                <a:latin typeface="Consolas" panose="020B0609020204030204"/>
+                <a:cs typeface="Consolas" panose="020B0609020204030204"/>
               </a:rPr>
               <a:t> </a:t>
             </a:r>
             <a:r>
               <a:rPr sz="1800" dirty="0">
-                <a:latin typeface="Consolas"/>
-                <a:cs typeface="Consolas"/>
+                <a:latin typeface="Consolas" panose="020B0609020204030204"/>
+                <a:cs typeface="Consolas" panose="020B0609020204030204"/>
               </a:rPr>
               <a:t>#ff9999;}</a:t>
             </a:r>
             <a:endParaRPr sz="1800">
-              <a:latin typeface="Consolas"/>
-              <a:cs typeface="Consolas"/>
+              <a:latin typeface="Consolas" panose="020B0609020204030204"/>
+              <a:cs typeface="Consolas" panose="020B0609020204030204"/>
             </a:endParaRPr>
           </a:p>
           <a:p>
@@ -4491,14 +4530,14 @@
             </a:pPr>
             <a:r>
               <a:rPr sz="1800" dirty="0">
-                <a:latin typeface="Consolas"/>
-                <a:cs typeface="Consolas"/>
+                <a:latin typeface="Consolas" panose="020B0609020204030204"/>
+                <a:cs typeface="Consolas" panose="020B0609020204030204"/>
               </a:rPr>
               <a:t>}</a:t>
             </a:r>
             <a:endParaRPr sz="1800">
-              <a:latin typeface="Consolas"/>
-              <a:cs typeface="Consolas"/>
+              <a:latin typeface="Consolas" panose="020B0609020204030204"/>
+              <a:cs typeface="Consolas" panose="020B0609020204030204"/>
             </a:endParaRPr>
           </a:p>
         </p:txBody>
@@ -4520,8 +4559,6 @@
           <a:p>
             <a:fld id="{B6F15528-21DE-4FAA-801E-634DDDAF4B2B}" type="slidenum">
               <a:rPr lang="en-US" smtClean="0"/>
-              <a:pPr/>
-              <a:t>4</a:t>
             </a:fld>
             <a:endParaRPr lang="en-US"/>
           </a:p>
@@ -4589,6 +4626,7 @@
               <a:rPr dirty="0"/>
               <a:t>KeyFrames</a:t>
             </a:r>
+            <a:endParaRPr dirty="0"/>
           </a:p>
         </p:txBody>
       </p:sp>
@@ -4651,9 +4689,7 @@
           <p:txBody>
             <a:bodyPr wrap="square" lIns="0" tIns="0" rIns="0" bIns="0" rtlCol="0"/>
             <a:lstStyle/>
-            <a:p>
-              <a:endParaRPr/>
-            </a:p>
+            <a:p/>
           </p:txBody>
         </p:sp>
         <p:sp>
@@ -4703,9 +4739,7 @@
           <p:txBody>
             <a:bodyPr wrap="square" lIns="0" tIns="0" rIns="0" bIns="0" rtlCol="0"/>
             <a:lstStyle/>
-            <a:p>
-              <a:endParaRPr/>
-            </a:p>
+            <a:p/>
           </p:txBody>
         </p:sp>
       </p:grpSp>
@@ -4740,42 +4774,42 @@
             </a:pPr>
             <a:r>
               <a:rPr sz="1800" dirty="0">
-                <a:latin typeface="Consolas"/>
-                <a:cs typeface="Consolas"/>
+                <a:latin typeface="Consolas" panose="020B0609020204030204"/>
+                <a:cs typeface="Consolas" panose="020B0609020204030204"/>
               </a:rPr>
               <a:t>@keyframes</a:t>
             </a:r>
             <a:r>
               <a:rPr sz="1800" spc="-50" dirty="0">
-                <a:latin typeface="Consolas"/>
-                <a:cs typeface="Consolas"/>
+                <a:latin typeface="Consolas" panose="020B0609020204030204"/>
+                <a:cs typeface="Consolas" panose="020B0609020204030204"/>
               </a:rPr>
               <a:t> </a:t>
             </a:r>
             <a:r>
               <a:rPr sz="1800" dirty="0">
-                <a:latin typeface="Consolas"/>
-                <a:cs typeface="Consolas"/>
+                <a:latin typeface="Consolas" panose="020B0609020204030204"/>
+                <a:cs typeface="Consolas" panose="020B0609020204030204"/>
               </a:rPr>
               <a:t>getGloomy</a:t>
             </a:r>
             <a:r>
               <a:rPr sz="1800" spc="-50" dirty="0">
-                <a:latin typeface="Consolas"/>
-                <a:cs typeface="Consolas"/>
+                <a:latin typeface="Consolas" panose="020B0609020204030204"/>
+                <a:cs typeface="Consolas" panose="020B0609020204030204"/>
               </a:rPr>
               <a:t> </a:t>
             </a:r>
             <a:r>
               <a:rPr sz="1800" dirty="0">
-                <a:latin typeface="Consolas"/>
-                <a:cs typeface="Consolas"/>
+                <a:latin typeface="Consolas" panose="020B0609020204030204"/>
+                <a:cs typeface="Consolas" panose="020B0609020204030204"/>
               </a:rPr>
               <a:t>{</a:t>
             </a:r>
             <a:endParaRPr sz="1800">
-              <a:latin typeface="Consolas"/>
-              <a:cs typeface="Consolas"/>
+              <a:latin typeface="Consolas" panose="020B0609020204030204"/>
+              <a:cs typeface="Consolas" panose="020B0609020204030204"/>
             </a:endParaRPr>
           </a:p>
         </p:txBody>
@@ -4815,8 +4849,8 @@
                         </a:lnSpc>
                       </a:pPr>
                       <a:endParaRPr sz="1800">
-                        <a:latin typeface="Times New Roman"/>
-                        <a:cs typeface="Times New Roman"/>
+                        <a:latin typeface="Times New Roman" panose="02020603050405020304"/>
+                        <a:cs typeface="Times New Roman" panose="02020603050405020304"/>
                       </a:endParaRPr>
                     </a:p>
                   </a:txBody>
@@ -4838,14 +4872,14 @@
                       </a:pPr>
                       <a:r>
                         <a:rPr sz="1800" dirty="0">
-                          <a:latin typeface="Consolas"/>
-                          <a:cs typeface="Consolas"/>
+                          <a:latin typeface="Consolas" panose="020B0609020204030204"/>
+                          <a:cs typeface="Consolas" panose="020B0609020204030204"/>
                         </a:rPr>
                         <a:t>0%</a:t>
                       </a:r>
                       <a:endParaRPr sz="1800">
-                        <a:latin typeface="Consolas"/>
-                        <a:cs typeface="Consolas"/>
+                        <a:latin typeface="Consolas" panose="020B0609020204030204"/>
+                        <a:cs typeface="Consolas" panose="020B0609020204030204"/>
                       </a:endParaRPr>
                     </a:p>
                   </a:txBody>
@@ -4867,42 +4901,42 @@
                       </a:pPr>
                       <a:r>
                         <a:rPr sz="1800" dirty="0">
-                          <a:latin typeface="Consolas"/>
-                          <a:cs typeface="Consolas"/>
+                          <a:latin typeface="Consolas" panose="020B0609020204030204"/>
+                          <a:cs typeface="Consolas" panose="020B0609020204030204"/>
                         </a:rPr>
                         <a:t>{</a:t>
                       </a:r>
                       <a:r>
                         <a:rPr sz="1800" spc="-30" dirty="0">
-                          <a:latin typeface="Consolas"/>
-                          <a:cs typeface="Consolas"/>
+                          <a:latin typeface="Consolas" panose="020B0609020204030204"/>
+                          <a:cs typeface="Consolas" panose="020B0609020204030204"/>
                         </a:rPr>
                         <a:t> </a:t>
                       </a:r>
                       <a:r>
                         <a:rPr sz="1800" dirty="0">
-                          <a:latin typeface="Consolas"/>
-                          <a:cs typeface="Consolas"/>
+                          <a:latin typeface="Consolas" panose="020B0609020204030204"/>
+                          <a:cs typeface="Consolas" panose="020B0609020204030204"/>
                         </a:rPr>
                         <a:t>background:</a:t>
                       </a:r>
                       <a:r>
                         <a:rPr sz="1800" spc="-25" dirty="0">
-                          <a:latin typeface="Consolas"/>
-                          <a:cs typeface="Consolas"/>
+                          <a:latin typeface="Consolas" panose="020B0609020204030204"/>
+                          <a:cs typeface="Consolas" panose="020B0609020204030204"/>
                         </a:rPr>
                         <a:t> </a:t>
                       </a:r>
                       <a:r>
                         <a:rPr sz="1800" spc="-5" dirty="0">
-                          <a:latin typeface="Consolas"/>
-                          <a:cs typeface="Consolas"/>
+                          <a:latin typeface="Consolas" panose="020B0609020204030204"/>
+                          <a:cs typeface="Consolas" panose="020B0609020204030204"/>
                         </a:rPr>
                         <a:t>#ffffff;}</a:t>
                       </a:r>
                       <a:endParaRPr sz="1800">
-                        <a:latin typeface="Consolas"/>
-                        <a:cs typeface="Consolas"/>
+                        <a:latin typeface="Consolas" panose="020B0609020204030204"/>
+                        <a:cs typeface="Consolas" panose="020B0609020204030204"/>
                       </a:endParaRPr>
                     </a:p>
                   </a:txBody>
@@ -4915,13 +4949,6 @@
               </a:tr>
               <a:tr h="330200">
                 <a:tc vMerge="1">
-                  <a:txBody>
-                    <a:bodyPr/>
-                    <a:lstStyle/>
-                    <a:p>
-                      <a:endParaRPr/>
-                    </a:p>
-                  </a:txBody>
                   <a:tcPr marL="0" marR="0" marT="0" marB="0">
                     <a:solidFill>
                       <a:srgbClr val="F9A326"/>
@@ -4940,14 +4967,14 @@
                       </a:pPr>
                       <a:r>
                         <a:rPr sz="1800" dirty="0">
-                          <a:latin typeface="Consolas"/>
-                          <a:cs typeface="Consolas"/>
+                          <a:latin typeface="Consolas" panose="020B0609020204030204"/>
+                          <a:cs typeface="Consolas" panose="020B0609020204030204"/>
                         </a:rPr>
                         <a:t>25%</a:t>
                       </a:r>
                       <a:endParaRPr sz="1800">
-                        <a:latin typeface="Consolas"/>
-                        <a:cs typeface="Consolas"/>
+                        <a:latin typeface="Consolas" panose="020B0609020204030204"/>
+                        <a:cs typeface="Consolas" panose="020B0609020204030204"/>
                       </a:endParaRPr>
                     </a:p>
                   </a:txBody>
@@ -4969,42 +4996,42 @@
                       </a:pPr>
                       <a:r>
                         <a:rPr sz="1800" dirty="0">
-                          <a:latin typeface="Consolas"/>
-                          <a:cs typeface="Consolas"/>
+                          <a:latin typeface="Consolas" panose="020B0609020204030204"/>
+                          <a:cs typeface="Consolas" panose="020B0609020204030204"/>
                         </a:rPr>
                         <a:t>{</a:t>
                       </a:r>
                       <a:r>
                         <a:rPr sz="1800" spc="-25" dirty="0">
-                          <a:latin typeface="Consolas"/>
-                          <a:cs typeface="Consolas"/>
+                          <a:latin typeface="Consolas" panose="020B0609020204030204"/>
+                          <a:cs typeface="Consolas" panose="020B0609020204030204"/>
                         </a:rPr>
                         <a:t> </a:t>
                       </a:r>
                       <a:r>
                         <a:rPr sz="1800" dirty="0">
-                          <a:latin typeface="Consolas"/>
-                          <a:cs typeface="Consolas"/>
+                          <a:latin typeface="Consolas" panose="020B0609020204030204"/>
+                          <a:cs typeface="Consolas" panose="020B0609020204030204"/>
                         </a:rPr>
                         <a:t>background:</a:t>
                       </a:r>
                       <a:r>
                         <a:rPr sz="1800" spc="-25" dirty="0">
-                          <a:latin typeface="Consolas"/>
-                          <a:cs typeface="Consolas"/>
+                          <a:latin typeface="Consolas" panose="020B0609020204030204"/>
+                          <a:cs typeface="Consolas" panose="020B0609020204030204"/>
                         </a:rPr>
                         <a:t> </a:t>
                       </a:r>
                       <a:r>
                         <a:rPr sz="1800" spc="-5" dirty="0">
-                          <a:latin typeface="Consolas"/>
-                          <a:cs typeface="Consolas"/>
+                          <a:latin typeface="Consolas" panose="020B0609020204030204"/>
+                          <a:cs typeface="Consolas" panose="020B0609020204030204"/>
                         </a:rPr>
                         <a:t>#dddddd;}</a:t>
                       </a:r>
                       <a:endParaRPr sz="1800">
-                        <a:latin typeface="Consolas"/>
-                        <a:cs typeface="Consolas"/>
+                        <a:latin typeface="Consolas" panose="020B0609020204030204"/>
+                        <a:cs typeface="Consolas" panose="020B0609020204030204"/>
                       </a:endParaRPr>
                     </a:p>
                   </a:txBody>
@@ -5017,13 +5044,6 @@
               </a:tr>
               <a:tr h="330200">
                 <a:tc vMerge="1">
-                  <a:txBody>
-                    <a:bodyPr/>
-                    <a:lstStyle/>
-                    <a:p>
-                      <a:endParaRPr/>
-                    </a:p>
-                  </a:txBody>
                   <a:tcPr marL="0" marR="0" marT="0" marB="0">
                     <a:solidFill>
                       <a:srgbClr val="F9A326"/>
@@ -5042,14 +5062,14 @@
                       </a:pPr>
                       <a:r>
                         <a:rPr sz="1800" dirty="0">
-                          <a:latin typeface="Consolas"/>
-                          <a:cs typeface="Consolas"/>
+                          <a:latin typeface="Consolas" panose="020B0609020204030204"/>
+                          <a:cs typeface="Consolas" panose="020B0609020204030204"/>
                         </a:rPr>
                         <a:t>50%</a:t>
                       </a:r>
                       <a:endParaRPr sz="1800">
-                        <a:latin typeface="Consolas"/>
-                        <a:cs typeface="Consolas"/>
+                        <a:latin typeface="Consolas" panose="020B0609020204030204"/>
+                        <a:cs typeface="Consolas" panose="020B0609020204030204"/>
                       </a:endParaRPr>
                     </a:p>
                   </a:txBody>
@@ -5071,42 +5091,42 @@
                       </a:pPr>
                       <a:r>
                         <a:rPr sz="1800" dirty="0">
-                          <a:latin typeface="Consolas"/>
-                          <a:cs typeface="Consolas"/>
+                          <a:latin typeface="Consolas" panose="020B0609020204030204"/>
+                          <a:cs typeface="Consolas" panose="020B0609020204030204"/>
                         </a:rPr>
                         <a:t>{</a:t>
                       </a:r>
                       <a:r>
                         <a:rPr sz="1800" spc="-25" dirty="0">
-                          <a:latin typeface="Consolas"/>
-                          <a:cs typeface="Consolas"/>
+                          <a:latin typeface="Consolas" panose="020B0609020204030204"/>
+                          <a:cs typeface="Consolas" panose="020B0609020204030204"/>
                         </a:rPr>
                         <a:t> </a:t>
                       </a:r>
                       <a:r>
                         <a:rPr sz="1800" dirty="0">
-                          <a:latin typeface="Consolas"/>
-                          <a:cs typeface="Consolas"/>
+                          <a:latin typeface="Consolas" panose="020B0609020204030204"/>
+                          <a:cs typeface="Consolas" panose="020B0609020204030204"/>
                         </a:rPr>
                         <a:t>background:</a:t>
                       </a:r>
                       <a:r>
                         <a:rPr sz="1800" spc="-25" dirty="0">
-                          <a:latin typeface="Consolas"/>
-                          <a:cs typeface="Consolas"/>
+                          <a:latin typeface="Consolas" panose="020B0609020204030204"/>
+                          <a:cs typeface="Consolas" panose="020B0609020204030204"/>
                         </a:rPr>
                         <a:t> </a:t>
                       </a:r>
                       <a:r>
                         <a:rPr sz="1800" spc="-5" dirty="0">
-                          <a:latin typeface="Consolas"/>
-                          <a:cs typeface="Consolas"/>
+                          <a:latin typeface="Consolas" panose="020B0609020204030204"/>
+                          <a:cs typeface="Consolas" panose="020B0609020204030204"/>
                         </a:rPr>
                         <a:t>#aaaaaa;}</a:t>
                       </a:r>
                       <a:endParaRPr sz="1800">
-                        <a:latin typeface="Consolas"/>
-                        <a:cs typeface="Consolas"/>
+                        <a:latin typeface="Consolas" panose="020B0609020204030204"/>
+                        <a:cs typeface="Consolas" panose="020B0609020204030204"/>
                       </a:endParaRPr>
                     </a:p>
                   </a:txBody>
@@ -5119,13 +5139,6 @@
               </a:tr>
               <a:tr h="330200">
                 <a:tc vMerge="1">
-                  <a:txBody>
-                    <a:bodyPr/>
-                    <a:lstStyle/>
-                    <a:p>
-                      <a:endParaRPr/>
-                    </a:p>
-                  </a:txBody>
                   <a:tcPr marL="0" marR="0" marT="0" marB="0">
                     <a:solidFill>
                       <a:srgbClr val="F9A326"/>
@@ -5144,14 +5157,14 @@
                       </a:pPr>
                       <a:r>
                         <a:rPr sz="1800" dirty="0">
-                          <a:latin typeface="Consolas"/>
-                          <a:cs typeface="Consolas"/>
+                          <a:latin typeface="Consolas" panose="020B0609020204030204"/>
+                          <a:cs typeface="Consolas" panose="020B0609020204030204"/>
                         </a:rPr>
                         <a:t>75%</a:t>
                       </a:r>
                       <a:endParaRPr sz="1800">
-                        <a:latin typeface="Consolas"/>
-                        <a:cs typeface="Consolas"/>
+                        <a:latin typeface="Consolas" panose="020B0609020204030204"/>
+                        <a:cs typeface="Consolas" panose="020B0609020204030204"/>
                       </a:endParaRPr>
                     </a:p>
                   </a:txBody>
@@ -5173,42 +5186,42 @@
                       </a:pPr>
                       <a:r>
                         <a:rPr sz="1800" dirty="0">
-                          <a:latin typeface="Consolas"/>
-                          <a:cs typeface="Consolas"/>
+                          <a:latin typeface="Consolas" panose="020B0609020204030204"/>
+                          <a:cs typeface="Consolas" panose="020B0609020204030204"/>
                         </a:rPr>
                         <a:t>{</a:t>
                       </a:r>
                       <a:r>
                         <a:rPr sz="1800" spc="-40" dirty="0">
-                          <a:latin typeface="Consolas"/>
-                          <a:cs typeface="Consolas"/>
+                          <a:latin typeface="Consolas" panose="020B0609020204030204"/>
+                          <a:cs typeface="Consolas" panose="020B0609020204030204"/>
                         </a:rPr>
                         <a:t> </a:t>
                       </a:r>
                       <a:r>
                         <a:rPr sz="1800" dirty="0">
-                          <a:latin typeface="Consolas"/>
-                          <a:cs typeface="Consolas"/>
+                          <a:latin typeface="Consolas" panose="020B0609020204030204"/>
+                          <a:cs typeface="Consolas" panose="020B0609020204030204"/>
                         </a:rPr>
                         <a:t>background:</a:t>
                       </a:r>
                       <a:r>
                         <a:rPr sz="1800" spc="-40" dirty="0">
-                          <a:latin typeface="Consolas"/>
-                          <a:cs typeface="Consolas"/>
+                          <a:latin typeface="Consolas" panose="020B0609020204030204"/>
+                          <a:cs typeface="Consolas" panose="020B0609020204030204"/>
                         </a:rPr>
                         <a:t> </a:t>
                       </a:r>
                       <a:r>
                         <a:rPr sz="1800" dirty="0">
-                          <a:latin typeface="Consolas"/>
-                          <a:cs typeface="Consolas"/>
+                          <a:latin typeface="Consolas" panose="020B0609020204030204"/>
+                          <a:cs typeface="Consolas" panose="020B0609020204030204"/>
                         </a:rPr>
                         <a:t>#777777;}</a:t>
                       </a:r>
                       <a:endParaRPr sz="1800">
-                        <a:latin typeface="Consolas"/>
-                        <a:cs typeface="Consolas"/>
+                        <a:latin typeface="Consolas" panose="020B0609020204030204"/>
+                        <a:cs typeface="Consolas" panose="020B0609020204030204"/>
                       </a:endParaRPr>
                     </a:p>
                   </a:txBody>
@@ -5221,13 +5234,6 @@
               </a:tr>
               <a:tr h="330200">
                 <a:tc vMerge="1">
-                  <a:txBody>
-                    <a:bodyPr/>
-                    <a:lstStyle/>
-                    <a:p>
-                      <a:endParaRPr/>
-                    </a:p>
-                  </a:txBody>
                   <a:tcPr marL="0" marR="0" marT="0" marB="0">
                     <a:solidFill>
                       <a:srgbClr val="F9A326"/>
@@ -5246,14 +5252,14 @@
                       </a:pPr>
                       <a:r>
                         <a:rPr sz="1800" dirty="0">
-                          <a:latin typeface="Consolas"/>
-                          <a:cs typeface="Consolas"/>
+                          <a:latin typeface="Consolas" panose="020B0609020204030204"/>
+                          <a:cs typeface="Consolas" panose="020B0609020204030204"/>
                         </a:rPr>
                         <a:t>100%</a:t>
                       </a:r>
                       <a:endParaRPr sz="1800">
-                        <a:latin typeface="Consolas"/>
-                        <a:cs typeface="Consolas"/>
+                        <a:latin typeface="Consolas" panose="020B0609020204030204"/>
+                        <a:cs typeface="Consolas" panose="020B0609020204030204"/>
                       </a:endParaRPr>
                     </a:p>
                   </a:txBody>
@@ -5275,42 +5281,42 @@
                       </a:pPr>
                       <a:r>
                         <a:rPr sz="1800" dirty="0">
-                          <a:latin typeface="Consolas"/>
-                          <a:cs typeface="Consolas"/>
+                          <a:latin typeface="Consolas" panose="020B0609020204030204"/>
+                          <a:cs typeface="Consolas" panose="020B0609020204030204"/>
                         </a:rPr>
                         <a:t>{</a:t>
                       </a:r>
                       <a:r>
                         <a:rPr sz="1800" spc="-40" dirty="0">
-                          <a:latin typeface="Consolas"/>
-                          <a:cs typeface="Consolas"/>
+                          <a:latin typeface="Consolas" panose="020B0609020204030204"/>
+                          <a:cs typeface="Consolas" panose="020B0609020204030204"/>
                         </a:rPr>
                         <a:t> </a:t>
                       </a:r>
                       <a:r>
                         <a:rPr sz="1800" dirty="0">
-                          <a:latin typeface="Consolas"/>
-                          <a:cs typeface="Consolas"/>
+                          <a:latin typeface="Consolas" panose="020B0609020204030204"/>
+                          <a:cs typeface="Consolas" panose="020B0609020204030204"/>
                         </a:rPr>
                         <a:t>background:</a:t>
                       </a:r>
                       <a:r>
                         <a:rPr sz="1800" spc="-40" dirty="0">
-                          <a:latin typeface="Consolas"/>
-                          <a:cs typeface="Consolas"/>
+                          <a:latin typeface="Consolas" panose="020B0609020204030204"/>
+                          <a:cs typeface="Consolas" panose="020B0609020204030204"/>
                         </a:rPr>
                         <a:t> </a:t>
                       </a:r>
                       <a:r>
                         <a:rPr sz="1800" dirty="0">
-                          <a:latin typeface="Consolas"/>
-                          <a:cs typeface="Consolas"/>
+                          <a:latin typeface="Consolas" panose="020B0609020204030204"/>
+                          <a:cs typeface="Consolas" panose="020B0609020204030204"/>
                         </a:rPr>
                         <a:t>#000000;}</a:t>
                       </a:r>
                       <a:endParaRPr sz="1800">
-                        <a:latin typeface="Consolas"/>
-                        <a:cs typeface="Consolas"/>
+                        <a:latin typeface="Consolas" panose="020B0609020204030204"/>
+                        <a:cs typeface="Consolas" panose="020B0609020204030204"/>
                       </a:endParaRPr>
                     </a:p>
                   </a:txBody>
@@ -5334,14 +5340,14 @@
                       </a:pPr>
                       <a:r>
                         <a:rPr sz="1800" dirty="0">
-                          <a:latin typeface="Consolas"/>
-                          <a:cs typeface="Consolas"/>
+                          <a:latin typeface="Consolas" panose="020B0609020204030204"/>
+                          <a:cs typeface="Consolas" panose="020B0609020204030204"/>
                         </a:rPr>
                         <a:t>}</a:t>
                       </a:r>
                       <a:endParaRPr sz="1800">
-                        <a:latin typeface="Consolas"/>
-                        <a:cs typeface="Consolas"/>
+                        <a:latin typeface="Consolas" panose="020B0609020204030204"/>
+                        <a:cs typeface="Consolas" panose="020B0609020204030204"/>
                       </a:endParaRPr>
                     </a:p>
                   </a:txBody>
@@ -5362,8 +5368,8 @@
                         </a:lnSpc>
                       </a:pPr>
                       <a:endParaRPr sz="1700">
-                        <a:latin typeface="Times New Roman"/>
-                        <a:cs typeface="Times New Roman"/>
+                        <a:latin typeface="Times New Roman" panose="02020603050405020304"/>
+                        <a:cs typeface="Times New Roman" panose="02020603050405020304"/>
                       </a:endParaRPr>
                     </a:p>
                   </a:txBody>
@@ -5384,8 +5390,8 @@
                         </a:lnSpc>
                       </a:pPr>
                       <a:endParaRPr sz="1700">
-                        <a:latin typeface="Times New Roman"/>
-                        <a:cs typeface="Times New Roman"/>
+                        <a:latin typeface="Times New Roman" panose="02020603050405020304"/>
+                        <a:cs typeface="Times New Roman" panose="02020603050405020304"/>
                       </a:endParaRPr>
                     </a:p>
                   </a:txBody>
@@ -5417,8 +5423,6 @@
           <a:p>
             <a:fld id="{B6F15528-21DE-4FAA-801E-634DDDAF4B2B}" type="slidenum">
               <a:rPr lang="en-US" smtClean="0"/>
-              <a:pPr/>
-              <a:t>5</a:t>
             </a:fld>
             <a:endParaRPr lang="en-US"/>
           </a:p>
@@ -5502,6 +5506,7 @@
               <a:rPr spc="-5" dirty="0"/>
               <a:t>Animations</a:t>
             </a:r>
+            <a:endParaRPr spc="-5" dirty="0"/>
           </a:p>
         </p:txBody>
       </p:sp>
@@ -5564,9 +5569,7 @@
           <p:txBody>
             <a:bodyPr wrap="square" lIns="0" tIns="0" rIns="0" bIns="0" rtlCol="0"/>
             <a:lstStyle/>
-            <a:p>
-              <a:endParaRPr/>
-            </a:p>
+            <a:p/>
           </p:txBody>
         </p:sp>
         <p:sp>
@@ -5616,9 +5619,7 @@
           <p:txBody>
             <a:bodyPr wrap="square" lIns="0" tIns="0" rIns="0" bIns="0" rtlCol="0"/>
             <a:lstStyle/>
-            <a:p>
-              <a:endParaRPr/>
-            </a:p>
+            <a:p/>
           </p:txBody>
         </p:sp>
       </p:grpSp>
@@ -5653,42 +5654,42 @@
             </a:pPr>
             <a:r>
               <a:rPr sz="1800" dirty="0">
-                <a:latin typeface="Consolas"/>
-                <a:cs typeface="Consolas"/>
+                <a:latin typeface="Consolas" panose="020B0609020204030204"/>
+                <a:cs typeface="Consolas" panose="020B0609020204030204"/>
               </a:rPr>
               <a:t>@keyframes</a:t>
             </a:r>
             <a:r>
               <a:rPr sz="1800" spc="-50" dirty="0">
-                <a:latin typeface="Consolas"/>
-                <a:cs typeface="Consolas"/>
+                <a:latin typeface="Consolas" panose="020B0609020204030204"/>
+                <a:cs typeface="Consolas" panose="020B0609020204030204"/>
               </a:rPr>
               <a:t> </a:t>
             </a:r>
             <a:r>
               <a:rPr sz="1800" dirty="0">
-                <a:latin typeface="Consolas"/>
-                <a:cs typeface="Consolas"/>
+                <a:latin typeface="Consolas" panose="020B0609020204030204"/>
+                <a:cs typeface="Consolas" panose="020B0609020204030204"/>
               </a:rPr>
               <a:t>getGloomy</a:t>
             </a:r>
             <a:r>
               <a:rPr sz="1800" spc="-50" dirty="0">
-                <a:latin typeface="Consolas"/>
-                <a:cs typeface="Consolas"/>
+                <a:latin typeface="Consolas" panose="020B0609020204030204"/>
+                <a:cs typeface="Consolas" panose="020B0609020204030204"/>
               </a:rPr>
               <a:t> </a:t>
             </a:r>
             <a:r>
               <a:rPr sz="1800" dirty="0">
-                <a:latin typeface="Consolas"/>
-                <a:cs typeface="Consolas"/>
+                <a:latin typeface="Consolas" panose="020B0609020204030204"/>
+                <a:cs typeface="Consolas" panose="020B0609020204030204"/>
               </a:rPr>
               <a:t>{</a:t>
             </a:r>
             <a:endParaRPr sz="1800">
-              <a:latin typeface="Consolas"/>
-              <a:cs typeface="Consolas"/>
+              <a:latin typeface="Consolas" panose="020B0609020204030204"/>
+              <a:cs typeface="Consolas" panose="020B0609020204030204"/>
             </a:endParaRPr>
           </a:p>
         </p:txBody>
@@ -5728,14 +5729,14 @@
                       </a:pPr>
                       <a:r>
                         <a:rPr sz="1800" dirty="0">
-                          <a:latin typeface="Consolas"/>
-                          <a:cs typeface="Consolas"/>
+                          <a:latin typeface="Consolas" panose="020B0609020204030204"/>
+                          <a:cs typeface="Consolas" panose="020B0609020204030204"/>
                         </a:rPr>
                         <a:t>0%</a:t>
                       </a:r>
                       <a:endParaRPr sz="1800">
-                        <a:latin typeface="Consolas"/>
-                        <a:cs typeface="Consolas"/>
+                        <a:latin typeface="Consolas" panose="020B0609020204030204"/>
+                        <a:cs typeface="Consolas" panose="020B0609020204030204"/>
                       </a:endParaRPr>
                     </a:p>
                   </a:txBody>
@@ -5757,42 +5758,42 @@
                       </a:pPr>
                       <a:r>
                         <a:rPr sz="1800" dirty="0">
-                          <a:latin typeface="Consolas"/>
-                          <a:cs typeface="Consolas"/>
+                          <a:latin typeface="Consolas" panose="020B0609020204030204"/>
+                          <a:cs typeface="Consolas" panose="020B0609020204030204"/>
                         </a:rPr>
                         <a:t>{</a:t>
                       </a:r>
                       <a:r>
                         <a:rPr sz="1800" spc="-30" dirty="0">
-                          <a:latin typeface="Consolas"/>
-                          <a:cs typeface="Consolas"/>
+                          <a:latin typeface="Consolas" panose="020B0609020204030204"/>
+                          <a:cs typeface="Consolas" panose="020B0609020204030204"/>
                         </a:rPr>
                         <a:t> </a:t>
                       </a:r>
                       <a:r>
                         <a:rPr sz="1800" dirty="0">
-                          <a:latin typeface="Consolas"/>
-                          <a:cs typeface="Consolas"/>
+                          <a:latin typeface="Consolas" panose="020B0609020204030204"/>
+                          <a:cs typeface="Consolas" panose="020B0609020204030204"/>
                         </a:rPr>
                         <a:t>background:</a:t>
                       </a:r>
                       <a:r>
                         <a:rPr sz="1800" spc="-25" dirty="0">
-                          <a:latin typeface="Consolas"/>
-                          <a:cs typeface="Consolas"/>
+                          <a:latin typeface="Consolas" panose="020B0609020204030204"/>
+                          <a:cs typeface="Consolas" panose="020B0609020204030204"/>
                         </a:rPr>
                         <a:t> </a:t>
                       </a:r>
                       <a:r>
                         <a:rPr sz="1800" spc="-5" dirty="0">
-                          <a:latin typeface="Consolas"/>
-                          <a:cs typeface="Consolas"/>
+                          <a:latin typeface="Consolas" panose="020B0609020204030204"/>
+                          <a:cs typeface="Consolas" panose="020B0609020204030204"/>
                         </a:rPr>
                         <a:t>#ffffff;}</a:t>
                       </a:r>
                       <a:endParaRPr sz="1800">
-                        <a:latin typeface="Consolas"/>
-                        <a:cs typeface="Consolas"/>
+                        <a:latin typeface="Consolas" panose="020B0609020204030204"/>
+                        <a:cs typeface="Consolas" panose="020B0609020204030204"/>
                       </a:endParaRPr>
                     </a:p>
                   </a:txBody>
@@ -5816,14 +5817,14 @@
                       </a:pPr>
                       <a:r>
                         <a:rPr sz="1800" dirty="0">
-                          <a:latin typeface="Consolas"/>
-                          <a:cs typeface="Consolas"/>
+                          <a:latin typeface="Consolas" panose="020B0609020204030204"/>
+                          <a:cs typeface="Consolas" panose="020B0609020204030204"/>
                         </a:rPr>
                         <a:t>25%</a:t>
                       </a:r>
                       <a:endParaRPr sz="1800">
-                        <a:latin typeface="Consolas"/>
-                        <a:cs typeface="Consolas"/>
+                        <a:latin typeface="Consolas" panose="020B0609020204030204"/>
+                        <a:cs typeface="Consolas" panose="020B0609020204030204"/>
                       </a:endParaRPr>
                     </a:p>
                   </a:txBody>
@@ -5845,42 +5846,42 @@
                       </a:pPr>
                       <a:r>
                         <a:rPr sz="1800" dirty="0">
-                          <a:latin typeface="Consolas"/>
-                          <a:cs typeface="Consolas"/>
+                          <a:latin typeface="Consolas" panose="020B0609020204030204"/>
+                          <a:cs typeface="Consolas" panose="020B0609020204030204"/>
                         </a:rPr>
                         <a:t>{</a:t>
                       </a:r>
                       <a:r>
                         <a:rPr sz="1800" spc="-25" dirty="0">
-                          <a:latin typeface="Consolas"/>
-                          <a:cs typeface="Consolas"/>
+                          <a:latin typeface="Consolas" panose="020B0609020204030204"/>
+                          <a:cs typeface="Consolas" panose="020B0609020204030204"/>
                         </a:rPr>
                         <a:t> </a:t>
                       </a:r>
                       <a:r>
                         <a:rPr sz="1800" dirty="0">
-                          <a:latin typeface="Consolas"/>
-                          <a:cs typeface="Consolas"/>
+                          <a:latin typeface="Consolas" panose="020B0609020204030204"/>
+                          <a:cs typeface="Consolas" panose="020B0609020204030204"/>
                         </a:rPr>
                         <a:t>background:</a:t>
                       </a:r>
                       <a:r>
                         <a:rPr sz="1800" spc="-25" dirty="0">
-                          <a:latin typeface="Consolas"/>
-                          <a:cs typeface="Consolas"/>
+                          <a:latin typeface="Consolas" panose="020B0609020204030204"/>
+                          <a:cs typeface="Consolas" panose="020B0609020204030204"/>
                         </a:rPr>
                         <a:t> </a:t>
                       </a:r>
                       <a:r>
                         <a:rPr sz="1800" spc="-5" dirty="0">
-                          <a:latin typeface="Consolas"/>
-                          <a:cs typeface="Consolas"/>
+                          <a:latin typeface="Consolas" panose="020B0609020204030204"/>
+                          <a:cs typeface="Consolas" panose="020B0609020204030204"/>
                         </a:rPr>
                         <a:t>#dddddd;}</a:t>
                       </a:r>
                       <a:endParaRPr sz="1800">
-                        <a:latin typeface="Consolas"/>
-                        <a:cs typeface="Consolas"/>
+                        <a:latin typeface="Consolas" panose="020B0609020204030204"/>
+                        <a:cs typeface="Consolas" panose="020B0609020204030204"/>
                       </a:endParaRPr>
                     </a:p>
                   </a:txBody>
@@ -5904,14 +5905,14 @@
                       </a:pPr>
                       <a:r>
                         <a:rPr sz="1800" dirty="0">
-                          <a:latin typeface="Consolas"/>
-                          <a:cs typeface="Consolas"/>
+                          <a:latin typeface="Consolas" panose="020B0609020204030204"/>
+                          <a:cs typeface="Consolas" panose="020B0609020204030204"/>
                         </a:rPr>
                         <a:t>50%</a:t>
                       </a:r>
                       <a:endParaRPr sz="1800">
-                        <a:latin typeface="Consolas"/>
-                        <a:cs typeface="Consolas"/>
+                        <a:latin typeface="Consolas" panose="020B0609020204030204"/>
+                        <a:cs typeface="Consolas" panose="020B0609020204030204"/>
                       </a:endParaRPr>
                     </a:p>
                   </a:txBody>
@@ -5933,42 +5934,42 @@
                       </a:pPr>
                       <a:r>
                         <a:rPr sz="1800" dirty="0">
-                          <a:latin typeface="Consolas"/>
-                          <a:cs typeface="Consolas"/>
+                          <a:latin typeface="Consolas" panose="020B0609020204030204"/>
+                          <a:cs typeface="Consolas" panose="020B0609020204030204"/>
                         </a:rPr>
                         <a:t>{</a:t>
                       </a:r>
                       <a:r>
                         <a:rPr sz="1800" spc="-25" dirty="0">
-                          <a:latin typeface="Consolas"/>
-                          <a:cs typeface="Consolas"/>
+                          <a:latin typeface="Consolas" panose="020B0609020204030204"/>
+                          <a:cs typeface="Consolas" panose="020B0609020204030204"/>
                         </a:rPr>
                         <a:t> </a:t>
                       </a:r>
                       <a:r>
                         <a:rPr sz="1800" dirty="0">
-                          <a:latin typeface="Consolas"/>
-                          <a:cs typeface="Consolas"/>
+                          <a:latin typeface="Consolas" panose="020B0609020204030204"/>
+                          <a:cs typeface="Consolas" panose="020B0609020204030204"/>
                         </a:rPr>
                         <a:t>background:</a:t>
                       </a:r>
                       <a:r>
                         <a:rPr sz="1800" spc="-25" dirty="0">
-                          <a:latin typeface="Consolas"/>
-                          <a:cs typeface="Consolas"/>
+                          <a:latin typeface="Consolas" panose="020B0609020204030204"/>
+                          <a:cs typeface="Consolas" panose="020B0609020204030204"/>
                         </a:rPr>
                         <a:t> </a:t>
                       </a:r>
                       <a:r>
                         <a:rPr sz="1800" spc="-5" dirty="0">
-                          <a:latin typeface="Consolas"/>
-                          <a:cs typeface="Consolas"/>
+                          <a:latin typeface="Consolas" panose="020B0609020204030204"/>
+                          <a:cs typeface="Consolas" panose="020B0609020204030204"/>
                         </a:rPr>
                         <a:t>#aaaaaa;}</a:t>
                       </a:r>
                       <a:endParaRPr sz="1800">
-                        <a:latin typeface="Consolas"/>
-                        <a:cs typeface="Consolas"/>
+                        <a:latin typeface="Consolas" panose="020B0609020204030204"/>
+                        <a:cs typeface="Consolas" panose="020B0609020204030204"/>
                       </a:endParaRPr>
                     </a:p>
                   </a:txBody>
@@ -5992,14 +5993,14 @@
                       </a:pPr>
                       <a:r>
                         <a:rPr sz="1800" dirty="0">
-                          <a:latin typeface="Consolas"/>
-                          <a:cs typeface="Consolas"/>
+                          <a:latin typeface="Consolas" panose="020B0609020204030204"/>
+                          <a:cs typeface="Consolas" panose="020B0609020204030204"/>
                         </a:rPr>
                         <a:t>75%</a:t>
                       </a:r>
                       <a:endParaRPr sz="1800">
-                        <a:latin typeface="Consolas"/>
-                        <a:cs typeface="Consolas"/>
+                        <a:latin typeface="Consolas" panose="020B0609020204030204"/>
+                        <a:cs typeface="Consolas" panose="020B0609020204030204"/>
                       </a:endParaRPr>
                     </a:p>
                   </a:txBody>
@@ -6021,42 +6022,42 @@
                       </a:pPr>
                       <a:r>
                         <a:rPr sz="1800" dirty="0">
-                          <a:latin typeface="Consolas"/>
-                          <a:cs typeface="Consolas"/>
+                          <a:latin typeface="Consolas" panose="020B0609020204030204"/>
+                          <a:cs typeface="Consolas" panose="020B0609020204030204"/>
                         </a:rPr>
                         <a:t>{</a:t>
                       </a:r>
                       <a:r>
                         <a:rPr sz="1800" spc="-40" dirty="0">
-                          <a:latin typeface="Consolas"/>
-                          <a:cs typeface="Consolas"/>
+                          <a:latin typeface="Consolas" panose="020B0609020204030204"/>
+                          <a:cs typeface="Consolas" panose="020B0609020204030204"/>
                         </a:rPr>
                         <a:t> </a:t>
                       </a:r>
                       <a:r>
                         <a:rPr sz="1800" dirty="0">
-                          <a:latin typeface="Consolas"/>
-                          <a:cs typeface="Consolas"/>
+                          <a:latin typeface="Consolas" panose="020B0609020204030204"/>
+                          <a:cs typeface="Consolas" panose="020B0609020204030204"/>
                         </a:rPr>
                         <a:t>background:</a:t>
                       </a:r>
                       <a:r>
                         <a:rPr sz="1800" spc="-40" dirty="0">
-                          <a:latin typeface="Consolas"/>
-                          <a:cs typeface="Consolas"/>
+                          <a:latin typeface="Consolas" panose="020B0609020204030204"/>
+                          <a:cs typeface="Consolas" panose="020B0609020204030204"/>
                         </a:rPr>
                         <a:t> </a:t>
                       </a:r>
                       <a:r>
                         <a:rPr sz="1800" dirty="0">
-                          <a:latin typeface="Consolas"/>
-                          <a:cs typeface="Consolas"/>
+                          <a:latin typeface="Consolas" panose="020B0609020204030204"/>
+                          <a:cs typeface="Consolas" panose="020B0609020204030204"/>
                         </a:rPr>
                         <a:t>#777777;}</a:t>
                       </a:r>
                       <a:endParaRPr sz="1800">
-                        <a:latin typeface="Consolas"/>
-                        <a:cs typeface="Consolas"/>
+                        <a:latin typeface="Consolas" panose="020B0609020204030204"/>
+                        <a:cs typeface="Consolas" panose="020B0609020204030204"/>
                       </a:endParaRPr>
                     </a:p>
                   </a:txBody>
@@ -6080,14 +6081,14 @@
                       </a:pPr>
                       <a:r>
                         <a:rPr sz="1800" dirty="0">
-                          <a:latin typeface="Consolas"/>
-                          <a:cs typeface="Consolas"/>
+                          <a:latin typeface="Consolas" panose="020B0609020204030204"/>
+                          <a:cs typeface="Consolas" panose="020B0609020204030204"/>
                         </a:rPr>
                         <a:t>100%</a:t>
                       </a:r>
                       <a:endParaRPr sz="1800">
-                        <a:latin typeface="Consolas"/>
-                        <a:cs typeface="Consolas"/>
+                        <a:latin typeface="Consolas" panose="020B0609020204030204"/>
+                        <a:cs typeface="Consolas" panose="020B0609020204030204"/>
                       </a:endParaRPr>
                     </a:p>
                   </a:txBody>
@@ -6109,42 +6110,42 @@
                       </a:pPr>
                       <a:r>
                         <a:rPr sz="1800" dirty="0">
-                          <a:latin typeface="Consolas"/>
-                          <a:cs typeface="Consolas"/>
+                          <a:latin typeface="Consolas" panose="020B0609020204030204"/>
+                          <a:cs typeface="Consolas" panose="020B0609020204030204"/>
                         </a:rPr>
                         <a:t>{</a:t>
                       </a:r>
                       <a:r>
                         <a:rPr sz="1800" spc="-40" dirty="0">
-                          <a:latin typeface="Consolas"/>
-                          <a:cs typeface="Consolas"/>
+                          <a:latin typeface="Consolas" panose="020B0609020204030204"/>
+                          <a:cs typeface="Consolas" panose="020B0609020204030204"/>
                         </a:rPr>
                         <a:t> </a:t>
                       </a:r>
                       <a:r>
                         <a:rPr sz="1800" dirty="0">
-                          <a:latin typeface="Consolas"/>
-                          <a:cs typeface="Consolas"/>
+                          <a:latin typeface="Consolas" panose="020B0609020204030204"/>
+                          <a:cs typeface="Consolas" panose="020B0609020204030204"/>
                         </a:rPr>
                         <a:t>background:</a:t>
                       </a:r>
                       <a:r>
                         <a:rPr sz="1800" spc="-40" dirty="0">
-                          <a:latin typeface="Consolas"/>
-                          <a:cs typeface="Consolas"/>
+                          <a:latin typeface="Consolas" panose="020B0609020204030204"/>
+                          <a:cs typeface="Consolas" panose="020B0609020204030204"/>
                         </a:rPr>
                         <a:t> </a:t>
                       </a:r>
                       <a:r>
                         <a:rPr sz="1800" dirty="0">
-                          <a:latin typeface="Consolas"/>
-                          <a:cs typeface="Consolas"/>
+                          <a:latin typeface="Consolas" panose="020B0609020204030204"/>
+                          <a:cs typeface="Consolas" panose="020B0609020204030204"/>
                         </a:rPr>
                         <a:t>#000000;}</a:t>
                       </a:r>
                       <a:endParaRPr sz="1800">
-                        <a:latin typeface="Consolas"/>
-                        <a:cs typeface="Consolas"/>
+                        <a:latin typeface="Consolas" panose="020B0609020204030204"/>
+                        <a:cs typeface="Consolas" panose="020B0609020204030204"/>
                       </a:endParaRPr>
                     </a:p>
                   </a:txBody>
@@ -6190,20 +6191,20 @@
             </a:pPr>
             <a:r>
               <a:rPr sz="1800" dirty="0">
-                <a:latin typeface="Consolas"/>
-                <a:cs typeface="Consolas"/>
+                <a:latin typeface="Consolas" panose="020B0609020204030204"/>
+                <a:cs typeface="Consolas" panose="020B0609020204030204"/>
               </a:rPr>
               <a:t>}</a:t>
             </a:r>
             <a:endParaRPr sz="1800">
-              <a:latin typeface="Consolas"/>
-              <a:cs typeface="Consolas"/>
+              <a:latin typeface="Consolas" panose="020B0609020204030204"/>
+              <a:cs typeface="Consolas" panose="020B0609020204030204"/>
             </a:endParaRPr>
           </a:p>
           <a:p>
             <a:pPr marL="354965" marR="5080" indent="-342900">
               <a:lnSpc>
-                <a:spcPct val="120400"/>
+                <a:spcPct val="120000"/>
               </a:lnSpc>
               <a:tabLst>
                 <a:tab pos="1737995" algn="l"/>
@@ -6211,56 +6212,56 @@
             </a:pPr>
             <a:r>
               <a:rPr sz="1800" dirty="0">
-                <a:latin typeface="Consolas"/>
-                <a:cs typeface="Consolas"/>
+                <a:latin typeface="Consolas" panose="020B0609020204030204"/>
+                <a:cs typeface="Consolas" panose="020B0609020204030204"/>
               </a:rPr>
               <a:t>#targetToAnimate</a:t>
             </a:r>
             <a:r>
               <a:rPr sz="1800" spc="985" dirty="0">
-                <a:latin typeface="Consolas"/>
-                <a:cs typeface="Consolas"/>
+                <a:latin typeface="Consolas" panose="020B0609020204030204"/>
+                <a:cs typeface="Consolas" panose="020B0609020204030204"/>
               </a:rPr>
               <a:t> </a:t>
             </a:r>
             <a:r>
               <a:rPr sz="1800" dirty="0">
-                <a:latin typeface="Consolas"/>
-                <a:cs typeface="Consolas"/>
+                <a:latin typeface="Consolas" panose="020B0609020204030204"/>
+                <a:cs typeface="Consolas" panose="020B0609020204030204"/>
               </a:rPr>
               <a:t>{ </a:t>
             </a:r>
             <a:r>
               <a:rPr sz="1800" spc="5" dirty="0">
-                <a:latin typeface="Consolas"/>
-                <a:cs typeface="Consolas"/>
+                <a:latin typeface="Consolas" panose="020B0609020204030204"/>
+                <a:cs typeface="Consolas" panose="020B0609020204030204"/>
               </a:rPr>
               <a:t> </a:t>
             </a:r>
             <a:r>
               <a:rPr sz="1800" dirty="0">
-                <a:latin typeface="Consolas"/>
-                <a:cs typeface="Consolas"/>
+                <a:latin typeface="Consolas" panose="020B0609020204030204"/>
+                <a:cs typeface="Consolas" panose="020B0609020204030204"/>
               </a:rPr>
               <a:t>animate:	getGloomy</a:t>
             </a:r>
             <a:r>
               <a:rPr sz="1800" spc="-100" dirty="0">
-                <a:latin typeface="Consolas"/>
-                <a:cs typeface="Consolas"/>
+                <a:latin typeface="Consolas" panose="020B0609020204030204"/>
+                <a:cs typeface="Consolas" panose="020B0609020204030204"/>
               </a:rPr>
               <a:t> </a:t>
             </a:r>
             <a:r>
               <a:rPr sz="1800" dirty="0">
-                <a:latin typeface="Consolas"/>
-                <a:cs typeface="Consolas"/>
+                <a:latin typeface="Consolas" panose="020B0609020204030204"/>
+                <a:cs typeface="Consolas" panose="020B0609020204030204"/>
               </a:rPr>
               <a:t>5s;</a:t>
             </a:r>
             <a:endParaRPr sz="1800">
-              <a:latin typeface="Consolas"/>
-              <a:cs typeface="Consolas"/>
+              <a:latin typeface="Consolas" panose="020B0609020204030204"/>
+              <a:cs typeface="Consolas" panose="020B0609020204030204"/>
             </a:endParaRPr>
           </a:p>
           <a:p>
@@ -6274,14 +6275,14 @@
             </a:pPr>
             <a:r>
               <a:rPr sz="1800" dirty="0">
-                <a:latin typeface="Consolas"/>
-                <a:cs typeface="Consolas"/>
+                <a:latin typeface="Consolas" panose="020B0609020204030204"/>
+                <a:cs typeface="Consolas" panose="020B0609020204030204"/>
               </a:rPr>
               <a:t>}</a:t>
             </a:r>
             <a:endParaRPr sz="1800">
-              <a:latin typeface="Consolas"/>
-              <a:cs typeface="Consolas"/>
+              <a:latin typeface="Consolas" panose="020B0609020204030204"/>
+              <a:cs typeface="Consolas" panose="020B0609020204030204"/>
             </a:endParaRPr>
           </a:p>
         </p:txBody>
@@ -6303,8 +6304,6 @@
           <a:p>
             <a:fld id="{B6F15528-21DE-4FAA-801E-634DDDAF4B2B}" type="slidenum">
               <a:rPr lang="en-US" smtClean="0"/>
-              <a:pPr/>
-              <a:t>6</a:t>
             </a:fld>
             <a:endParaRPr lang="en-US"/>
           </a:p>
@@ -6388,6 +6387,7 @@
               <a:rPr spc="-5" dirty="0"/>
               <a:t>Animations</a:t>
             </a:r>
+            <a:endParaRPr spc="-5" dirty="0"/>
           </a:p>
         </p:txBody>
       </p:sp>
@@ -6450,9 +6450,7 @@
           <p:txBody>
             <a:bodyPr wrap="square" lIns="0" tIns="0" rIns="0" bIns="0" rtlCol="0"/>
             <a:lstStyle/>
-            <a:p>
-              <a:endParaRPr/>
-            </a:p>
+            <a:p/>
           </p:txBody>
         </p:sp>
         <p:sp>
@@ -6502,9 +6500,7 @@
           <p:txBody>
             <a:bodyPr wrap="square" lIns="0" tIns="0" rIns="0" bIns="0" rtlCol="0"/>
             <a:lstStyle/>
-            <a:p>
-              <a:endParaRPr/>
-            </a:p>
+            <a:p/>
           </p:txBody>
         </p:sp>
       </p:grpSp>
@@ -6539,42 +6535,42 @@
             </a:pPr>
             <a:r>
               <a:rPr sz="1800" dirty="0">
-                <a:latin typeface="Consolas"/>
-                <a:cs typeface="Consolas"/>
+                <a:latin typeface="Consolas" panose="020B0609020204030204"/>
+                <a:cs typeface="Consolas" panose="020B0609020204030204"/>
               </a:rPr>
               <a:t>@keyframes</a:t>
             </a:r>
             <a:r>
               <a:rPr sz="1800" spc="-50" dirty="0">
-                <a:latin typeface="Consolas"/>
-                <a:cs typeface="Consolas"/>
+                <a:latin typeface="Consolas" panose="020B0609020204030204"/>
+                <a:cs typeface="Consolas" panose="020B0609020204030204"/>
               </a:rPr>
               <a:t> </a:t>
             </a:r>
             <a:r>
               <a:rPr sz="1800" dirty="0">
-                <a:latin typeface="Consolas"/>
-                <a:cs typeface="Consolas"/>
+                <a:latin typeface="Consolas" panose="020B0609020204030204"/>
+                <a:cs typeface="Consolas" panose="020B0609020204030204"/>
               </a:rPr>
               <a:t>getGloomy</a:t>
             </a:r>
             <a:r>
               <a:rPr sz="1800" spc="-50" dirty="0">
-                <a:latin typeface="Consolas"/>
-                <a:cs typeface="Consolas"/>
+                <a:latin typeface="Consolas" panose="020B0609020204030204"/>
+                <a:cs typeface="Consolas" panose="020B0609020204030204"/>
               </a:rPr>
               <a:t> </a:t>
             </a:r>
             <a:r>
               <a:rPr sz="1800" dirty="0">
-                <a:latin typeface="Consolas"/>
-                <a:cs typeface="Consolas"/>
+                <a:latin typeface="Consolas" panose="020B0609020204030204"/>
+                <a:cs typeface="Consolas" panose="020B0609020204030204"/>
               </a:rPr>
               <a:t>{</a:t>
             </a:r>
             <a:endParaRPr sz="1800">
-              <a:latin typeface="Consolas"/>
-              <a:cs typeface="Consolas"/>
+              <a:latin typeface="Consolas" panose="020B0609020204030204"/>
+              <a:cs typeface="Consolas" panose="020B0609020204030204"/>
             </a:endParaRPr>
           </a:p>
         </p:txBody>
@@ -6614,14 +6610,14 @@
                       </a:pPr>
                       <a:r>
                         <a:rPr sz="1800" dirty="0">
-                          <a:latin typeface="Consolas"/>
-                          <a:cs typeface="Consolas"/>
+                          <a:latin typeface="Consolas" panose="020B0609020204030204"/>
+                          <a:cs typeface="Consolas" panose="020B0609020204030204"/>
                         </a:rPr>
                         <a:t>0%</a:t>
                       </a:r>
                       <a:endParaRPr sz="1800">
-                        <a:latin typeface="Consolas"/>
-                        <a:cs typeface="Consolas"/>
+                        <a:latin typeface="Consolas" panose="020B0609020204030204"/>
+                        <a:cs typeface="Consolas" panose="020B0609020204030204"/>
                       </a:endParaRPr>
                     </a:p>
                   </a:txBody>
@@ -6643,42 +6639,42 @@
                       </a:pPr>
                       <a:r>
                         <a:rPr sz="1800" dirty="0">
-                          <a:latin typeface="Consolas"/>
-                          <a:cs typeface="Consolas"/>
+                          <a:latin typeface="Consolas" panose="020B0609020204030204"/>
+                          <a:cs typeface="Consolas" panose="020B0609020204030204"/>
                         </a:rPr>
                         <a:t>{</a:t>
                       </a:r>
                       <a:r>
                         <a:rPr sz="1800" spc="-30" dirty="0">
-                          <a:latin typeface="Consolas"/>
-                          <a:cs typeface="Consolas"/>
+                          <a:latin typeface="Consolas" panose="020B0609020204030204"/>
+                          <a:cs typeface="Consolas" panose="020B0609020204030204"/>
                         </a:rPr>
                         <a:t> </a:t>
                       </a:r>
                       <a:r>
                         <a:rPr sz="1800" dirty="0">
-                          <a:latin typeface="Consolas"/>
-                          <a:cs typeface="Consolas"/>
+                          <a:latin typeface="Consolas" panose="020B0609020204030204"/>
+                          <a:cs typeface="Consolas" panose="020B0609020204030204"/>
                         </a:rPr>
                         <a:t>background:</a:t>
                       </a:r>
                       <a:r>
                         <a:rPr sz="1800" spc="-25" dirty="0">
-                          <a:latin typeface="Consolas"/>
-                          <a:cs typeface="Consolas"/>
+                          <a:latin typeface="Consolas" panose="020B0609020204030204"/>
+                          <a:cs typeface="Consolas" panose="020B0609020204030204"/>
                         </a:rPr>
                         <a:t> </a:t>
                       </a:r>
                       <a:r>
                         <a:rPr sz="1800" spc="-5" dirty="0">
-                          <a:latin typeface="Consolas"/>
-                          <a:cs typeface="Consolas"/>
+                          <a:latin typeface="Consolas" panose="020B0609020204030204"/>
+                          <a:cs typeface="Consolas" panose="020B0609020204030204"/>
                         </a:rPr>
                         <a:t>#ffffff;}</a:t>
                       </a:r>
                       <a:endParaRPr sz="1800">
-                        <a:latin typeface="Consolas"/>
-                        <a:cs typeface="Consolas"/>
+                        <a:latin typeface="Consolas" panose="020B0609020204030204"/>
+                        <a:cs typeface="Consolas" panose="020B0609020204030204"/>
                       </a:endParaRPr>
                     </a:p>
                   </a:txBody>
@@ -6702,14 +6698,14 @@
                       </a:pPr>
                       <a:r>
                         <a:rPr sz="1800" dirty="0">
-                          <a:latin typeface="Consolas"/>
-                          <a:cs typeface="Consolas"/>
+                          <a:latin typeface="Consolas" panose="020B0609020204030204"/>
+                          <a:cs typeface="Consolas" panose="020B0609020204030204"/>
                         </a:rPr>
                         <a:t>25%</a:t>
                       </a:r>
                       <a:endParaRPr sz="1800">
-                        <a:latin typeface="Consolas"/>
-                        <a:cs typeface="Consolas"/>
+                        <a:latin typeface="Consolas" panose="020B0609020204030204"/>
+                        <a:cs typeface="Consolas" panose="020B0609020204030204"/>
                       </a:endParaRPr>
                     </a:p>
                   </a:txBody>
@@ -6731,42 +6727,42 @@
                       </a:pPr>
                       <a:r>
                         <a:rPr sz="1800" dirty="0">
-                          <a:latin typeface="Consolas"/>
-                          <a:cs typeface="Consolas"/>
+                          <a:latin typeface="Consolas" panose="020B0609020204030204"/>
+                          <a:cs typeface="Consolas" panose="020B0609020204030204"/>
                         </a:rPr>
                         <a:t>{</a:t>
                       </a:r>
                       <a:r>
                         <a:rPr sz="1800" spc="-25" dirty="0">
-                          <a:latin typeface="Consolas"/>
-                          <a:cs typeface="Consolas"/>
+                          <a:latin typeface="Consolas" panose="020B0609020204030204"/>
+                          <a:cs typeface="Consolas" panose="020B0609020204030204"/>
                         </a:rPr>
                         <a:t> </a:t>
                       </a:r>
                       <a:r>
                         <a:rPr sz="1800" dirty="0">
-                          <a:latin typeface="Consolas"/>
-                          <a:cs typeface="Consolas"/>
+                          <a:latin typeface="Consolas" panose="020B0609020204030204"/>
+                          <a:cs typeface="Consolas" panose="020B0609020204030204"/>
                         </a:rPr>
                         <a:t>background:</a:t>
                       </a:r>
                       <a:r>
                         <a:rPr sz="1800" spc="-25" dirty="0">
-                          <a:latin typeface="Consolas"/>
-                          <a:cs typeface="Consolas"/>
+                          <a:latin typeface="Consolas" panose="020B0609020204030204"/>
+                          <a:cs typeface="Consolas" panose="020B0609020204030204"/>
                         </a:rPr>
                         <a:t> </a:t>
                       </a:r>
                       <a:r>
                         <a:rPr sz="1800" spc="-5" dirty="0">
-                          <a:latin typeface="Consolas"/>
-                          <a:cs typeface="Consolas"/>
+                          <a:latin typeface="Consolas" panose="020B0609020204030204"/>
+                          <a:cs typeface="Consolas" panose="020B0609020204030204"/>
                         </a:rPr>
                         <a:t>#dddddd;}</a:t>
                       </a:r>
                       <a:endParaRPr sz="1800">
-                        <a:latin typeface="Consolas"/>
-                        <a:cs typeface="Consolas"/>
+                        <a:latin typeface="Consolas" panose="020B0609020204030204"/>
+                        <a:cs typeface="Consolas" panose="020B0609020204030204"/>
                       </a:endParaRPr>
                     </a:p>
                   </a:txBody>
@@ -6790,14 +6786,14 @@
                       </a:pPr>
                       <a:r>
                         <a:rPr sz="1800" dirty="0">
-                          <a:latin typeface="Consolas"/>
-                          <a:cs typeface="Consolas"/>
+                          <a:latin typeface="Consolas" panose="020B0609020204030204"/>
+                          <a:cs typeface="Consolas" panose="020B0609020204030204"/>
                         </a:rPr>
                         <a:t>50%</a:t>
                       </a:r>
                       <a:endParaRPr sz="1800">
-                        <a:latin typeface="Consolas"/>
-                        <a:cs typeface="Consolas"/>
+                        <a:latin typeface="Consolas" panose="020B0609020204030204"/>
+                        <a:cs typeface="Consolas" panose="020B0609020204030204"/>
                       </a:endParaRPr>
                     </a:p>
                   </a:txBody>
@@ -6819,42 +6815,42 @@
                       </a:pPr>
                       <a:r>
                         <a:rPr sz="1800" dirty="0">
-                          <a:latin typeface="Consolas"/>
-                          <a:cs typeface="Consolas"/>
+                          <a:latin typeface="Consolas" panose="020B0609020204030204"/>
+                          <a:cs typeface="Consolas" panose="020B0609020204030204"/>
                         </a:rPr>
                         <a:t>{</a:t>
                       </a:r>
                       <a:r>
                         <a:rPr sz="1800" spc="-25" dirty="0">
-                          <a:latin typeface="Consolas"/>
-                          <a:cs typeface="Consolas"/>
+                          <a:latin typeface="Consolas" panose="020B0609020204030204"/>
+                          <a:cs typeface="Consolas" panose="020B0609020204030204"/>
                         </a:rPr>
                         <a:t> </a:t>
                       </a:r>
                       <a:r>
                         <a:rPr sz="1800" dirty="0">
-                          <a:latin typeface="Consolas"/>
-                          <a:cs typeface="Consolas"/>
+                          <a:latin typeface="Consolas" panose="020B0609020204030204"/>
+                          <a:cs typeface="Consolas" panose="020B0609020204030204"/>
                         </a:rPr>
                         <a:t>background:</a:t>
                       </a:r>
                       <a:r>
                         <a:rPr sz="1800" spc="-25" dirty="0">
-                          <a:latin typeface="Consolas"/>
-                          <a:cs typeface="Consolas"/>
+                          <a:latin typeface="Consolas" panose="020B0609020204030204"/>
+                          <a:cs typeface="Consolas" panose="020B0609020204030204"/>
                         </a:rPr>
                         <a:t> </a:t>
                       </a:r>
                       <a:r>
                         <a:rPr sz="1800" spc="-5" dirty="0">
-                          <a:latin typeface="Consolas"/>
-                          <a:cs typeface="Consolas"/>
+                          <a:latin typeface="Consolas" panose="020B0609020204030204"/>
+                          <a:cs typeface="Consolas" panose="020B0609020204030204"/>
                         </a:rPr>
                         <a:t>#aaaaaa;}</a:t>
                       </a:r>
                       <a:endParaRPr sz="1800">
-                        <a:latin typeface="Consolas"/>
-                        <a:cs typeface="Consolas"/>
+                        <a:latin typeface="Consolas" panose="020B0609020204030204"/>
+                        <a:cs typeface="Consolas" panose="020B0609020204030204"/>
                       </a:endParaRPr>
                     </a:p>
                   </a:txBody>
@@ -6878,14 +6874,14 @@
                       </a:pPr>
                       <a:r>
                         <a:rPr sz="1800" dirty="0">
-                          <a:latin typeface="Consolas"/>
-                          <a:cs typeface="Consolas"/>
+                          <a:latin typeface="Consolas" panose="020B0609020204030204"/>
+                          <a:cs typeface="Consolas" panose="020B0609020204030204"/>
                         </a:rPr>
                         <a:t>75%</a:t>
                       </a:r>
                       <a:endParaRPr sz="1800">
-                        <a:latin typeface="Consolas"/>
-                        <a:cs typeface="Consolas"/>
+                        <a:latin typeface="Consolas" panose="020B0609020204030204"/>
+                        <a:cs typeface="Consolas" panose="020B0609020204030204"/>
                       </a:endParaRPr>
                     </a:p>
                   </a:txBody>
@@ -6907,42 +6903,42 @@
                       </a:pPr>
                       <a:r>
                         <a:rPr sz="1800" dirty="0">
-                          <a:latin typeface="Consolas"/>
-                          <a:cs typeface="Consolas"/>
+                          <a:latin typeface="Consolas" panose="020B0609020204030204"/>
+                          <a:cs typeface="Consolas" panose="020B0609020204030204"/>
                         </a:rPr>
                         <a:t>{</a:t>
                       </a:r>
                       <a:r>
                         <a:rPr sz="1800" spc="-40" dirty="0">
-                          <a:latin typeface="Consolas"/>
-                          <a:cs typeface="Consolas"/>
+                          <a:latin typeface="Consolas" panose="020B0609020204030204"/>
+                          <a:cs typeface="Consolas" panose="020B0609020204030204"/>
                         </a:rPr>
                         <a:t> </a:t>
                       </a:r>
                       <a:r>
                         <a:rPr sz="1800" dirty="0">
-                          <a:latin typeface="Consolas"/>
-                          <a:cs typeface="Consolas"/>
+                          <a:latin typeface="Consolas" panose="020B0609020204030204"/>
+                          <a:cs typeface="Consolas" panose="020B0609020204030204"/>
                         </a:rPr>
                         <a:t>background:</a:t>
                       </a:r>
                       <a:r>
                         <a:rPr sz="1800" spc="-40" dirty="0">
-                          <a:latin typeface="Consolas"/>
-                          <a:cs typeface="Consolas"/>
+                          <a:latin typeface="Consolas" panose="020B0609020204030204"/>
+                          <a:cs typeface="Consolas" panose="020B0609020204030204"/>
                         </a:rPr>
                         <a:t> </a:t>
                       </a:r>
                       <a:r>
                         <a:rPr sz="1800" dirty="0">
-                          <a:latin typeface="Consolas"/>
-                          <a:cs typeface="Consolas"/>
+                          <a:latin typeface="Consolas" panose="020B0609020204030204"/>
+                          <a:cs typeface="Consolas" panose="020B0609020204030204"/>
                         </a:rPr>
                         <a:t>#777777;}</a:t>
                       </a:r>
                       <a:endParaRPr sz="1800">
-                        <a:latin typeface="Consolas"/>
-                        <a:cs typeface="Consolas"/>
+                        <a:latin typeface="Consolas" panose="020B0609020204030204"/>
+                        <a:cs typeface="Consolas" panose="020B0609020204030204"/>
                       </a:endParaRPr>
                     </a:p>
                   </a:txBody>
@@ -6966,14 +6962,14 @@
                       </a:pPr>
                       <a:r>
                         <a:rPr sz="1800" dirty="0">
-                          <a:latin typeface="Consolas"/>
-                          <a:cs typeface="Consolas"/>
+                          <a:latin typeface="Consolas" panose="020B0609020204030204"/>
+                          <a:cs typeface="Consolas" panose="020B0609020204030204"/>
                         </a:rPr>
                         <a:t>100%</a:t>
                       </a:r>
                       <a:endParaRPr sz="1800">
-                        <a:latin typeface="Consolas"/>
-                        <a:cs typeface="Consolas"/>
+                        <a:latin typeface="Consolas" panose="020B0609020204030204"/>
+                        <a:cs typeface="Consolas" panose="020B0609020204030204"/>
                       </a:endParaRPr>
                     </a:p>
                   </a:txBody>
@@ -6995,42 +6991,42 @@
                       </a:pPr>
                       <a:r>
                         <a:rPr sz="1800" dirty="0">
-                          <a:latin typeface="Consolas"/>
-                          <a:cs typeface="Consolas"/>
+                          <a:latin typeface="Consolas" panose="020B0609020204030204"/>
+                          <a:cs typeface="Consolas" panose="020B0609020204030204"/>
                         </a:rPr>
                         <a:t>{</a:t>
                       </a:r>
                       <a:r>
                         <a:rPr sz="1800" spc="-40" dirty="0">
-                          <a:latin typeface="Consolas"/>
-                          <a:cs typeface="Consolas"/>
+                          <a:latin typeface="Consolas" panose="020B0609020204030204"/>
+                          <a:cs typeface="Consolas" panose="020B0609020204030204"/>
                         </a:rPr>
                         <a:t> </a:t>
                       </a:r>
                       <a:r>
                         <a:rPr sz="1800" dirty="0">
-                          <a:latin typeface="Consolas"/>
-                          <a:cs typeface="Consolas"/>
+                          <a:latin typeface="Consolas" panose="020B0609020204030204"/>
+                          <a:cs typeface="Consolas" panose="020B0609020204030204"/>
                         </a:rPr>
                         <a:t>background:</a:t>
                       </a:r>
                       <a:r>
                         <a:rPr sz="1800" spc="-40" dirty="0">
-                          <a:latin typeface="Consolas"/>
-                          <a:cs typeface="Consolas"/>
+                          <a:latin typeface="Consolas" panose="020B0609020204030204"/>
+                          <a:cs typeface="Consolas" panose="020B0609020204030204"/>
                         </a:rPr>
                         <a:t> </a:t>
                       </a:r>
                       <a:r>
                         <a:rPr sz="1800" dirty="0">
-                          <a:latin typeface="Consolas"/>
-                          <a:cs typeface="Consolas"/>
+                          <a:latin typeface="Consolas" panose="020B0609020204030204"/>
+                          <a:cs typeface="Consolas" panose="020B0609020204030204"/>
                         </a:rPr>
                         <a:t>#000000;}</a:t>
                       </a:r>
                       <a:endParaRPr sz="1800">
-                        <a:latin typeface="Consolas"/>
-                        <a:cs typeface="Consolas"/>
+                        <a:latin typeface="Consolas" panose="020B0609020204030204"/>
+                        <a:cs typeface="Consolas" panose="020B0609020204030204"/>
                       </a:endParaRPr>
                     </a:p>
                   </a:txBody>
@@ -7076,14 +7072,14 @@
             </a:pPr>
             <a:r>
               <a:rPr sz="1800" dirty="0">
-                <a:latin typeface="Consolas"/>
-                <a:cs typeface="Consolas"/>
+                <a:latin typeface="Consolas" panose="020B0609020204030204"/>
+                <a:cs typeface="Consolas" panose="020B0609020204030204"/>
               </a:rPr>
               <a:t>}</a:t>
             </a:r>
             <a:endParaRPr sz="1800">
-              <a:latin typeface="Consolas"/>
-              <a:cs typeface="Consolas"/>
+              <a:latin typeface="Consolas" panose="020B0609020204030204"/>
+              <a:cs typeface="Consolas" panose="020B0609020204030204"/>
             </a:endParaRPr>
           </a:p>
           <a:p>
@@ -7092,33 +7088,33 @@
                 <a:spcPct val="100000"/>
               </a:lnSpc>
               <a:spcBef>
-                <a:spcPts val="439"/>
+                <a:spcPts val="440"/>
               </a:spcBef>
             </a:pPr>
             <a:r>
               <a:rPr sz="1800" dirty="0">
-                <a:latin typeface="Consolas"/>
-                <a:cs typeface="Consolas"/>
+                <a:latin typeface="Consolas" panose="020B0609020204030204"/>
+                <a:cs typeface="Consolas" panose="020B0609020204030204"/>
               </a:rPr>
               <a:t>#targetToAnimate</a:t>
             </a:r>
             <a:r>
               <a:rPr sz="1800" spc="-65" dirty="0">
-                <a:latin typeface="Consolas"/>
-                <a:cs typeface="Consolas"/>
+                <a:latin typeface="Consolas" panose="020B0609020204030204"/>
+                <a:cs typeface="Consolas" panose="020B0609020204030204"/>
               </a:rPr>
               <a:t> </a:t>
             </a:r>
             <a:r>
               <a:rPr sz="1800" dirty="0">
-                <a:latin typeface="Consolas"/>
-                <a:cs typeface="Consolas"/>
+                <a:latin typeface="Consolas" panose="020B0609020204030204"/>
+                <a:cs typeface="Consolas" panose="020B0609020204030204"/>
               </a:rPr>
               <a:t>{</a:t>
             </a:r>
             <a:endParaRPr sz="1800">
-              <a:latin typeface="Consolas"/>
-              <a:cs typeface="Consolas"/>
+              <a:latin typeface="Consolas" panose="020B0609020204030204"/>
+              <a:cs typeface="Consolas" panose="020B0609020204030204"/>
             </a:endParaRPr>
           </a:p>
           <a:p>
@@ -7127,7 +7123,7 @@
                 <a:spcPct val="100000"/>
               </a:lnSpc>
               <a:spcBef>
-                <a:spcPts val="439"/>
+                <a:spcPts val="440"/>
               </a:spcBef>
               <a:tabLst>
                 <a:tab pos="1737995" algn="l"/>
@@ -7135,56 +7131,56 @@
             </a:pPr>
             <a:r>
               <a:rPr sz="1800" dirty="0">
-                <a:latin typeface="Consolas"/>
-                <a:cs typeface="Consolas"/>
+                <a:latin typeface="Consolas" panose="020B0609020204030204"/>
+                <a:cs typeface="Consolas" panose="020B0609020204030204"/>
               </a:rPr>
               <a:t>animate:	getGloomy</a:t>
             </a:r>
             <a:r>
               <a:rPr sz="1800" spc="-35" dirty="0">
-                <a:latin typeface="Consolas"/>
-                <a:cs typeface="Consolas"/>
+                <a:latin typeface="Consolas" panose="020B0609020204030204"/>
+                <a:cs typeface="Consolas" panose="020B0609020204030204"/>
               </a:rPr>
               <a:t> </a:t>
             </a:r>
             <a:r>
               <a:rPr sz="1800" dirty="0">
-                <a:latin typeface="Consolas"/>
-                <a:cs typeface="Consolas"/>
+                <a:latin typeface="Consolas" panose="020B0609020204030204"/>
+                <a:cs typeface="Consolas" panose="020B0609020204030204"/>
               </a:rPr>
               <a:t>5s</a:t>
             </a:r>
             <a:r>
               <a:rPr sz="1800" spc="-30" dirty="0">
-                <a:latin typeface="Consolas"/>
-                <a:cs typeface="Consolas"/>
+                <a:latin typeface="Consolas" panose="020B0609020204030204"/>
+                <a:cs typeface="Consolas" panose="020B0609020204030204"/>
               </a:rPr>
               <a:t> </a:t>
             </a:r>
             <a:r>
               <a:rPr sz="1800" dirty="0">
-                <a:latin typeface="Consolas"/>
-                <a:cs typeface="Consolas"/>
+                <a:latin typeface="Consolas" panose="020B0609020204030204"/>
+                <a:cs typeface="Consolas" panose="020B0609020204030204"/>
               </a:rPr>
               <a:t>infinite</a:t>
             </a:r>
             <a:r>
               <a:rPr sz="1800" spc="-35" dirty="0">
-                <a:latin typeface="Consolas"/>
-                <a:cs typeface="Consolas"/>
+                <a:latin typeface="Consolas" panose="020B0609020204030204"/>
+                <a:cs typeface="Consolas" panose="020B0609020204030204"/>
               </a:rPr>
               <a:t> </a:t>
             </a:r>
             <a:r>
               <a:rPr sz="1800" dirty="0">
-                <a:latin typeface="Consolas"/>
-                <a:cs typeface="Consolas"/>
+                <a:latin typeface="Consolas" panose="020B0609020204030204"/>
+                <a:cs typeface="Consolas" panose="020B0609020204030204"/>
               </a:rPr>
               <a:t>alternate;</a:t>
             </a:r>
             <a:endParaRPr sz="1800">
-              <a:latin typeface="Consolas"/>
-              <a:cs typeface="Consolas"/>
+              <a:latin typeface="Consolas" panose="020B0609020204030204"/>
+              <a:cs typeface="Consolas" panose="020B0609020204030204"/>
             </a:endParaRPr>
           </a:p>
           <a:p>
@@ -7198,14 +7194,14 @@
             </a:pPr>
             <a:r>
               <a:rPr sz="1800" dirty="0">
-                <a:latin typeface="Consolas"/>
-                <a:cs typeface="Consolas"/>
+                <a:latin typeface="Consolas" panose="020B0609020204030204"/>
+                <a:cs typeface="Consolas" panose="020B0609020204030204"/>
               </a:rPr>
               <a:t>}</a:t>
             </a:r>
             <a:endParaRPr sz="1800">
-              <a:latin typeface="Consolas"/>
-              <a:cs typeface="Consolas"/>
+              <a:latin typeface="Consolas" panose="020B0609020204030204"/>
+              <a:cs typeface="Consolas" panose="020B0609020204030204"/>
             </a:endParaRPr>
           </a:p>
         </p:txBody>
@@ -7227,8 +7223,6 @@
           <a:p>
             <a:fld id="{B6F15528-21DE-4FAA-801E-634DDDAF4B2B}" type="slidenum">
               <a:rPr lang="en-US" smtClean="0"/>
-              <a:pPr/>
-              <a:t>7</a:t>
             </a:fld>
             <a:endParaRPr lang="en-US"/>
           </a:p>
@@ -7316,6 +7310,7 @@
               <a:rPr spc="-5" dirty="0"/>
               <a:t>Site</a:t>
             </a:r>
+            <a:endParaRPr spc="-5" dirty="0"/>
           </a:p>
         </p:txBody>
       </p:sp>
@@ -7472,9 +7467,7 @@
         <p:txBody>
           <a:bodyPr wrap="square" lIns="0" tIns="0" rIns="0" bIns="0" rtlCol="0"/>
           <a:lstStyle/>
-          <a:p>
-            <a:endParaRPr/>
-          </a:p>
+          <a:p/>
         </p:txBody>
       </p:sp>
       <p:sp>
@@ -7511,14 +7504,14 @@
                 <a:solidFill>
                   <a:srgbClr val="FFFFFF"/>
                 </a:solidFill>
-                <a:latin typeface="Arial"/>
-                <a:cs typeface="Arial"/>
+                <a:latin typeface="Arial" panose="020B0604020202020204"/>
+                <a:cs typeface="Arial" panose="020B0604020202020204"/>
               </a:rPr>
               <a:t>DEMO</a:t>
             </a:r>
             <a:endParaRPr sz="6500">
-              <a:latin typeface="Arial"/>
-              <a:cs typeface="Arial"/>
+              <a:latin typeface="Arial" panose="020B0604020202020204"/>
+              <a:cs typeface="Arial" panose="020B0604020202020204"/>
             </a:endParaRPr>
           </a:p>
         </p:txBody>
@@ -7540,8 +7533,6 @@
           <a:p>
             <a:fld id="{B6F15528-21DE-4FAA-801E-634DDDAF4B2B}" type="slidenum">
               <a:rPr lang="en-US" smtClean="0"/>
-              <a:pPr/>
-              <a:t>8</a:t>
             </a:fld>
             <a:endParaRPr lang="en-US"/>
           </a:p>
@@ -7603,28 +7594,28 @@
             </a:pPr>
             <a:r>
               <a:rPr sz="2000" b="1" spc="-5" dirty="0">
-                <a:latin typeface="Arial"/>
-                <a:cs typeface="Arial"/>
+                <a:latin typeface="Arial" panose="020B0604020202020204"/>
+                <a:cs typeface="Arial" panose="020B0604020202020204"/>
               </a:rPr>
               <a:t>Reactive</a:t>
             </a:r>
             <a:r>
               <a:rPr sz="2000" b="1" spc="-35" dirty="0">
-                <a:latin typeface="Arial"/>
-                <a:cs typeface="Arial"/>
+                <a:latin typeface="Arial" panose="020B0604020202020204"/>
+                <a:cs typeface="Arial" panose="020B0604020202020204"/>
               </a:rPr>
               <a:t> </a:t>
             </a:r>
             <a:r>
               <a:rPr sz="2000" b="1" spc="-5" dirty="0">
-                <a:latin typeface="Arial"/>
-                <a:cs typeface="Arial"/>
+                <a:latin typeface="Arial" panose="020B0604020202020204"/>
+                <a:cs typeface="Arial" panose="020B0604020202020204"/>
               </a:rPr>
               <a:t>animation</a:t>
             </a:r>
             <a:endParaRPr sz="2000">
-              <a:latin typeface="Arial"/>
-              <a:cs typeface="Arial"/>
+              <a:latin typeface="Arial" panose="020B0604020202020204"/>
+              <a:cs typeface="Arial" panose="020B0604020202020204"/>
             </a:endParaRPr>
           </a:p>
           <a:p>
@@ -7637,8 +7628,8 @@
               </a:spcBef>
             </a:pPr>
             <a:endParaRPr sz="2050">
-              <a:latin typeface="Arial"/>
-              <a:cs typeface="Arial"/>
+              <a:latin typeface="Arial" panose="020B0604020202020204"/>
+              <a:cs typeface="Arial" panose="020B0604020202020204"/>
             </a:endParaRPr>
           </a:p>
           <a:p>
@@ -7649,14 +7640,14 @@
             </a:pPr>
             <a:r>
               <a:rPr sz="2800" b="1" spc="-5" dirty="0">
-                <a:latin typeface="Arial"/>
-                <a:cs typeface="Arial"/>
+                <a:latin typeface="Arial" panose="020B0604020202020204"/>
+                <a:cs typeface="Arial" panose="020B0604020202020204"/>
               </a:rPr>
               <a:t>Transitions</a:t>
             </a:r>
             <a:endParaRPr sz="2800">
-              <a:latin typeface="Arial"/>
-              <a:cs typeface="Arial"/>
+              <a:latin typeface="Arial" panose="020B0604020202020204"/>
+              <a:cs typeface="Arial" panose="020B0604020202020204"/>
             </a:endParaRPr>
           </a:p>
         </p:txBody>
@@ -7678,8 +7669,6 @@
           <a:p>
             <a:fld id="{B6F15528-21DE-4FAA-801E-634DDDAF4B2B}" type="slidenum">
               <a:rPr lang="en-US" smtClean="0"/>
-              <a:pPr/>
-              <a:t>9</a:t>
             </a:fld>
             <a:endParaRPr lang="en-US"/>
           </a:p>
@@ -7971,8 +7960,11 @@
       </a:bgFillStyleLst>
     </a:fmtScheme>
   </a:themeElements>
-  <a:objectDefaults/>
-  <a:extraClrSchemeLst/>
+  <a:extLst>
+    <a:ext uri="{05A4C25C-085E-4340-85A3-A5531E510DB2}">
+      <thm15:themeFamily xmlns:thm15="http://schemas.microsoft.com/office/thememl/2012/main" name="Office Theme" id="{62F939B6-93AF-4DB8-9C6B-D6C7DFDC589F}" vid="{4A3C46E8-61CC-4603-A589-7422A47A8E4A}"/>
+    </a:ext>
+  </a:extLst>
 </a:theme>
 </file>
 
@@ -8254,7 +8246,10 @@
       </a:bgFillStyleLst>
     </a:fmtScheme>
   </a:themeElements>
-  <a:objectDefaults/>
-  <a:extraClrSchemeLst/>
+  <a:extLst>
+    <a:ext uri="{05A4C25C-085E-4340-85A3-A5531E510DB2}">
+      <thm15:themeFamily xmlns:thm15="http://schemas.microsoft.com/office/thememl/2012/main" name="Office Theme" id="{62F939B6-93AF-4DB8-9C6B-D6C7DFDC589F}" vid="{4A3C46E8-61CC-4603-A589-7422A47A8E4A}"/>
+    </a:ext>
+  </a:extLst>
 </a:theme>
 </file>